--- a/Proposal/FinalProposal.pptx
+++ b/Proposal/FinalProposal.pptx
@@ -1,26 +1,121 @@
 
 <file path=ppt/presentation.xml><?xml version="1.0" encoding="utf-8"?>
-<p:presentation xmlns:a="http://schemas.openxmlformats.org/drawingml/2006/main" xmlns:p="http://schemas.openxmlformats.org/presentationml/2006/main" xmlns:r="http://schemas.openxmlformats.org/officeDocument/2006/relationships" xmlns:p14="http://schemas.microsoft.com/office/powerpoint/2010/main" xmlns:p15="http://schemas.microsoft.com/office/powerpoint/2012/main" xmlns:mc="http://schemas.openxmlformats.org/markup-compatibility/2006">
+<p:presentation xmlns:a="http://schemas.openxmlformats.org/drawingml/2006/main" xmlns:r="http://schemas.openxmlformats.org/officeDocument/2006/relationships" xmlns:p="http://schemas.openxmlformats.org/presentationml/2006/main">
   <p:sldMasterIdLst>
-    <p:sldMasterId id="2147483648" r:id="rId2"/>
-    <p:sldMasterId id="2147483661" r:id="rId3"/>
+    <p:sldMasterId id="2147483648" r:id="rId1"/>
+    <p:sldMasterId id="2147483661" r:id="rId2"/>
   </p:sldMasterIdLst>
   <p:sldIdLst>
-    <p:sldId id="256" r:id="rId4"/>
-    <p:sldId id="257" r:id="rId5"/>
-    <p:sldId id="258" r:id="rId6"/>
-    <p:sldId id="259" r:id="rId7"/>
-    <p:sldId id="260" r:id="rId8"/>
-    <p:sldId id="261" r:id="rId9"/>
-    <p:sldId id="262" r:id="rId10"/>
+    <p:sldId id="256" r:id="rId3"/>
+    <p:sldId id="257" r:id="rId4"/>
+    <p:sldId id="258" r:id="rId5"/>
+    <p:sldId id="259" r:id="rId6"/>
+    <p:sldId id="260" r:id="rId7"/>
+    <p:sldId id="261" r:id="rId8"/>
+    <p:sldId id="262" r:id="rId9"/>
   </p:sldIdLst>
-  <p:sldSz cx="9144000" cy="6858000"/>
+  <p:sldSz cx="9144000" cy="6858000" type="screen4x3"/>
   <p:notesSz cx="7772400" cy="10058400"/>
+  <p:defaultTextStyle>
+    <a:defPPr>
+      <a:defRPr lang="en-US"/>
+    </a:defPPr>
+    <a:lvl1pPr marL="0" algn="l" defTabSz="914400" rtl="0" eaLnBrk="1" latinLnBrk="0" hangingPunct="1">
+      <a:defRPr sz="1800" kern="1200">
+        <a:solidFill>
+          <a:schemeClr val="tx1"/>
+        </a:solidFill>
+        <a:latin typeface="+mn-lt"/>
+        <a:ea typeface="+mn-ea"/>
+        <a:cs typeface="+mn-cs"/>
+      </a:defRPr>
+    </a:lvl1pPr>
+    <a:lvl2pPr marL="457200" algn="l" defTabSz="914400" rtl="0" eaLnBrk="1" latinLnBrk="0" hangingPunct="1">
+      <a:defRPr sz="1800" kern="1200">
+        <a:solidFill>
+          <a:schemeClr val="tx1"/>
+        </a:solidFill>
+        <a:latin typeface="+mn-lt"/>
+        <a:ea typeface="+mn-ea"/>
+        <a:cs typeface="+mn-cs"/>
+      </a:defRPr>
+    </a:lvl2pPr>
+    <a:lvl3pPr marL="914400" algn="l" defTabSz="914400" rtl="0" eaLnBrk="1" latinLnBrk="0" hangingPunct="1">
+      <a:defRPr sz="1800" kern="1200">
+        <a:solidFill>
+          <a:schemeClr val="tx1"/>
+        </a:solidFill>
+        <a:latin typeface="+mn-lt"/>
+        <a:ea typeface="+mn-ea"/>
+        <a:cs typeface="+mn-cs"/>
+      </a:defRPr>
+    </a:lvl3pPr>
+    <a:lvl4pPr marL="1371600" algn="l" defTabSz="914400" rtl="0" eaLnBrk="1" latinLnBrk="0" hangingPunct="1">
+      <a:defRPr sz="1800" kern="1200">
+        <a:solidFill>
+          <a:schemeClr val="tx1"/>
+        </a:solidFill>
+        <a:latin typeface="+mn-lt"/>
+        <a:ea typeface="+mn-ea"/>
+        <a:cs typeface="+mn-cs"/>
+      </a:defRPr>
+    </a:lvl4pPr>
+    <a:lvl5pPr marL="1828800" algn="l" defTabSz="914400" rtl="0" eaLnBrk="1" latinLnBrk="0" hangingPunct="1">
+      <a:defRPr sz="1800" kern="1200">
+        <a:solidFill>
+          <a:schemeClr val="tx1"/>
+        </a:solidFill>
+        <a:latin typeface="+mn-lt"/>
+        <a:ea typeface="+mn-ea"/>
+        <a:cs typeface="+mn-cs"/>
+      </a:defRPr>
+    </a:lvl5pPr>
+    <a:lvl6pPr marL="2286000" algn="l" defTabSz="914400" rtl="0" eaLnBrk="1" latinLnBrk="0" hangingPunct="1">
+      <a:defRPr sz="1800" kern="1200">
+        <a:solidFill>
+          <a:schemeClr val="tx1"/>
+        </a:solidFill>
+        <a:latin typeface="+mn-lt"/>
+        <a:ea typeface="+mn-ea"/>
+        <a:cs typeface="+mn-cs"/>
+      </a:defRPr>
+    </a:lvl6pPr>
+    <a:lvl7pPr marL="2743200" algn="l" defTabSz="914400" rtl="0" eaLnBrk="1" latinLnBrk="0" hangingPunct="1">
+      <a:defRPr sz="1800" kern="1200">
+        <a:solidFill>
+          <a:schemeClr val="tx1"/>
+        </a:solidFill>
+        <a:latin typeface="+mn-lt"/>
+        <a:ea typeface="+mn-ea"/>
+        <a:cs typeface="+mn-cs"/>
+      </a:defRPr>
+    </a:lvl7pPr>
+    <a:lvl8pPr marL="3200400" algn="l" defTabSz="914400" rtl="0" eaLnBrk="1" latinLnBrk="0" hangingPunct="1">
+      <a:defRPr sz="1800" kern="1200">
+        <a:solidFill>
+          <a:schemeClr val="tx1"/>
+        </a:solidFill>
+        <a:latin typeface="+mn-lt"/>
+        <a:ea typeface="+mn-ea"/>
+        <a:cs typeface="+mn-cs"/>
+      </a:defRPr>
+    </a:lvl8pPr>
+    <a:lvl9pPr marL="3657600" algn="l" defTabSz="914400" rtl="0" eaLnBrk="1" latinLnBrk="0" hangingPunct="1">
+      <a:defRPr sz="1800" kern="1200">
+        <a:solidFill>
+          <a:schemeClr val="tx1"/>
+        </a:solidFill>
+        <a:latin typeface="+mn-lt"/>
+        <a:ea typeface="+mn-ea"/>
+        <a:cs typeface="+mn-cs"/>
+      </a:defRPr>
+    </a:lvl9pPr>
+  </p:defaultTextStyle>
 </p:presentation>
 </file>
 
 <file path=ppt/slideLayouts/slideLayout1.xml><?xml version="1.0" encoding="utf-8"?>
-<p:sldLayout xmlns:a="http://schemas.openxmlformats.org/drawingml/2006/main" xmlns:p="http://schemas.openxmlformats.org/presentationml/2006/main" xmlns:r="http://schemas.openxmlformats.org/officeDocument/2006/relationships" xmlns:p14="http://schemas.microsoft.com/office/powerpoint/2010/main" xmlns:p15="http://schemas.microsoft.com/office/powerpoint/2012/main" xmlns:mc="http://schemas.openxmlformats.org/markup-compatibility/2006" type="blank" preserve="1">
+<p:sldLayout xmlns:a="http://schemas.openxmlformats.org/drawingml/2006/main" xmlns:r="http://schemas.openxmlformats.org/officeDocument/2006/relationships" xmlns:p="http://schemas.openxmlformats.org/presentationml/2006/main" type="blank" preserve="1">
   <p:cSld name="Blank Slide">
     <p:spTree>
       <p:nvGrpSpPr>
@@ -38,11 +133,14 @@
       </p:grpSpPr>
     </p:spTree>
   </p:cSld>
+  <p:clrMapOvr>
+    <a:masterClrMapping/>
+  </p:clrMapOvr>
 </p:sldLayout>
 </file>
 
 <file path=ppt/slideLayouts/slideLayout10.xml><?xml version="1.0" encoding="utf-8"?>
-<p:sldLayout xmlns:a="http://schemas.openxmlformats.org/drawingml/2006/main" xmlns:p="http://schemas.openxmlformats.org/presentationml/2006/main" xmlns:r="http://schemas.openxmlformats.org/officeDocument/2006/relationships" xmlns:p14="http://schemas.microsoft.com/office/powerpoint/2010/main" xmlns:p15="http://schemas.microsoft.com/office/powerpoint/2012/main" xmlns:mc="http://schemas.openxmlformats.org/markup-compatibility/2006" type="objOverTx" preserve="1">
+<p:sldLayout xmlns:a="http://schemas.openxmlformats.org/drawingml/2006/main" xmlns:r="http://schemas.openxmlformats.org/officeDocument/2006/relationships" xmlns:p="http://schemas.openxmlformats.org/presentationml/2006/main" type="objOverTx" preserve="1">
   <p:cSld name="Title, Content over Content">
     <p:spTree>
       <p:nvGrpSpPr>
@@ -78,9 +176,10 @@
           </a:prstGeom>
         </p:spPr>
         <p:txBody>
-          <a:bodyPr lIns="0" rIns="0" tIns="0" bIns="0" anchor="ctr"/>
-          <a:p>
-            <a:endParaRPr b="0" lang="en-US" sz="1800" spc="-1" strike="noStrike">
+          <a:bodyPr lIns="0" tIns="0" rIns="0" bIns="0" anchor="ctr"/>
+          <a:lstStyle/>
+          <a:p>
+            <a:endParaRPr lang="en-US" sz="1800" b="0" strike="noStrike" spc="-1">
               <a:solidFill>
                 <a:srgbClr val="000000"/>
               </a:solidFill>
@@ -109,11 +208,12 @@
           </a:prstGeom>
         </p:spPr>
         <p:txBody>
-          <a:bodyPr lIns="0" rIns="0" tIns="0" bIns="0">
+          <a:bodyPr lIns="0" tIns="0" rIns="0" bIns="0">
             <a:normAutofit/>
           </a:bodyPr>
-          <a:p>
-            <a:endParaRPr b="0" lang="en-US" sz="2000" spc="-1" strike="noStrike">
+          <a:lstStyle/>
+          <a:p>
+            <a:endParaRPr lang="en-US" sz="2000" b="0" strike="noStrike" spc="-1">
               <a:solidFill>
                 <a:srgbClr val="404040"/>
               </a:solidFill>
@@ -142,11 +242,12 @@
           </a:prstGeom>
         </p:spPr>
         <p:txBody>
-          <a:bodyPr lIns="0" rIns="0" tIns="0" bIns="0">
+          <a:bodyPr lIns="0" tIns="0" rIns="0" bIns="0">
             <a:normAutofit/>
           </a:bodyPr>
-          <a:p>
-            <a:endParaRPr b="0" lang="en-US" sz="2000" spc="-1" strike="noStrike">
+          <a:lstStyle/>
+          <a:p>
+            <a:endParaRPr lang="en-US" sz="2000" b="0" strike="noStrike" spc="-1">
               <a:solidFill>
                 <a:srgbClr val="404040"/>
               </a:solidFill>
@@ -157,11 +258,14 @@
       </p:sp>
     </p:spTree>
   </p:cSld>
+  <p:clrMapOvr>
+    <a:masterClrMapping/>
+  </p:clrMapOvr>
 </p:sldLayout>
 </file>
 
 <file path=ppt/slideLayouts/slideLayout11.xml><?xml version="1.0" encoding="utf-8"?>
-<p:sldLayout xmlns:a="http://schemas.openxmlformats.org/drawingml/2006/main" xmlns:p="http://schemas.openxmlformats.org/presentationml/2006/main" xmlns:r="http://schemas.openxmlformats.org/officeDocument/2006/relationships" xmlns:p14="http://schemas.microsoft.com/office/powerpoint/2010/main" xmlns:p15="http://schemas.microsoft.com/office/powerpoint/2012/main" xmlns:mc="http://schemas.openxmlformats.org/markup-compatibility/2006" type="fourObj" preserve="1">
+<p:sldLayout xmlns:a="http://schemas.openxmlformats.org/drawingml/2006/main" xmlns:r="http://schemas.openxmlformats.org/officeDocument/2006/relationships" xmlns:p="http://schemas.openxmlformats.org/presentationml/2006/main" type="fourObj" preserve="1">
   <p:cSld name="Title, 4 Content">
     <p:spTree>
       <p:nvGrpSpPr>
@@ -197,9 +301,10 @@
           </a:prstGeom>
         </p:spPr>
         <p:txBody>
-          <a:bodyPr lIns="0" rIns="0" tIns="0" bIns="0" anchor="ctr"/>
-          <a:p>
-            <a:endParaRPr b="0" lang="en-US" sz="1800" spc="-1" strike="noStrike">
+          <a:bodyPr lIns="0" tIns="0" rIns="0" bIns="0" anchor="ctr"/>
+          <a:lstStyle/>
+          <a:p>
+            <a:endParaRPr lang="en-US" sz="1800" b="0" strike="noStrike" spc="-1">
               <a:solidFill>
                 <a:srgbClr val="000000"/>
               </a:solidFill>
@@ -228,11 +333,12 @@
           </a:prstGeom>
         </p:spPr>
         <p:txBody>
-          <a:bodyPr lIns="0" rIns="0" tIns="0" bIns="0">
+          <a:bodyPr lIns="0" tIns="0" rIns="0" bIns="0">
             <a:normAutofit/>
           </a:bodyPr>
-          <a:p>
-            <a:endParaRPr b="0" lang="en-US" sz="2000" spc="-1" strike="noStrike">
+          <a:lstStyle/>
+          <a:p>
+            <a:endParaRPr lang="en-US" sz="2000" b="0" strike="noStrike" spc="-1">
               <a:solidFill>
                 <a:srgbClr val="404040"/>
               </a:solidFill>
@@ -261,11 +367,12 @@
           </a:prstGeom>
         </p:spPr>
         <p:txBody>
-          <a:bodyPr lIns="0" rIns="0" tIns="0" bIns="0">
+          <a:bodyPr lIns="0" tIns="0" rIns="0" bIns="0">
             <a:normAutofit/>
           </a:bodyPr>
-          <a:p>
-            <a:endParaRPr b="0" lang="en-US" sz="2000" spc="-1" strike="noStrike">
+          <a:lstStyle/>
+          <a:p>
+            <a:endParaRPr lang="en-US" sz="2000" b="0" strike="noStrike" spc="-1">
               <a:solidFill>
                 <a:srgbClr val="404040"/>
               </a:solidFill>
@@ -294,11 +401,12 @@
           </a:prstGeom>
         </p:spPr>
         <p:txBody>
-          <a:bodyPr lIns="0" rIns="0" tIns="0" bIns="0">
+          <a:bodyPr lIns="0" tIns="0" rIns="0" bIns="0">
             <a:normAutofit/>
           </a:bodyPr>
-          <a:p>
-            <a:endParaRPr b="0" lang="en-US" sz="2000" spc="-1" strike="noStrike">
+          <a:lstStyle/>
+          <a:p>
+            <a:endParaRPr lang="en-US" sz="2000" b="0" strike="noStrike" spc="-1">
               <a:solidFill>
                 <a:srgbClr val="404040"/>
               </a:solidFill>
@@ -327,11 +435,12 @@
           </a:prstGeom>
         </p:spPr>
         <p:txBody>
-          <a:bodyPr lIns="0" rIns="0" tIns="0" bIns="0">
+          <a:bodyPr lIns="0" tIns="0" rIns="0" bIns="0">
             <a:normAutofit/>
           </a:bodyPr>
-          <a:p>
-            <a:endParaRPr b="0" lang="en-US" sz="2000" spc="-1" strike="noStrike">
+          <a:lstStyle/>
+          <a:p>
+            <a:endParaRPr lang="en-US" sz="2000" b="0" strike="noStrike" spc="-1">
               <a:solidFill>
                 <a:srgbClr val="404040"/>
               </a:solidFill>
@@ -342,11 +451,14 @@
       </p:sp>
     </p:spTree>
   </p:cSld>
+  <p:clrMapOvr>
+    <a:masterClrMapping/>
+  </p:clrMapOvr>
 </p:sldLayout>
 </file>
 
 <file path=ppt/slideLayouts/slideLayout12.xml><?xml version="1.0" encoding="utf-8"?>
-<p:sldLayout xmlns:a="http://schemas.openxmlformats.org/drawingml/2006/main" xmlns:p="http://schemas.openxmlformats.org/presentationml/2006/main" xmlns:r="http://schemas.openxmlformats.org/officeDocument/2006/relationships" xmlns:p14="http://schemas.microsoft.com/office/powerpoint/2010/main" xmlns:p15="http://schemas.microsoft.com/office/powerpoint/2012/main" xmlns:mc="http://schemas.openxmlformats.org/markup-compatibility/2006" type="blank" preserve="1">
+<p:sldLayout xmlns:a="http://schemas.openxmlformats.org/drawingml/2006/main" xmlns:r="http://schemas.openxmlformats.org/officeDocument/2006/relationships" xmlns:p="http://schemas.openxmlformats.org/presentationml/2006/main" type="blank" preserve="1">
   <p:cSld name="Title, 6 Content">
     <p:spTree>
       <p:nvGrpSpPr>
@@ -382,9 +494,10 @@
           </a:prstGeom>
         </p:spPr>
         <p:txBody>
-          <a:bodyPr lIns="0" rIns="0" tIns="0" bIns="0" anchor="ctr"/>
-          <a:p>
-            <a:endParaRPr b="0" lang="en-US" sz="1800" spc="-1" strike="noStrike">
+          <a:bodyPr lIns="0" tIns="0" rIns="0" bIns="0" anchor="ctr"/>
+          <a:lstStyle/>
+          <a:p>
+            <a:endParaRPr lang="en-US" sz="1800" b="0" strike="noStrike" spc="-1">
               <a:solidFill>
                 <a:srgbClr val="000000"/>
               </a:solidFill>
@@ -413,11 +526,12 @@
           </a:prstGeom>
         </p:spPr>
         <p:txBody>
-          <a:bodyPr lIns="0" rIns="0" tIns="0" bIns="0">
+          <a:bodyPr lIns="0" tIns="0" rIns="0" bIns="0">
             <a:normAutofit/>
           </a:bodyPr>
-          <a:p>
-            <a:endParaRPr b="0" lang="en-US" sz="2000" spc="-1" strike="noStrike">
+          <a:lstStyle/>
+          <a:p>
+            <a:endParaRPr lang="en-US" sz="2000" b="0" strike="noStrike" spc="-1">
               <a:solidFill>
                 <a:srgbClr val="404040"/>
               </a:solidFill>
@@ -446,11 +560,12 @@
           </a:prstGeom>
         </p:spPr>
         <p:txBody>
-          <a:bodyPr lIns="0" rIns="0" tIns="0" bIns="0">
+          <a:bodyPr lIns="0" tIns="0" rIns="0" bIns="0">
             <a:normAutofit/>
           </a:bodyPr>
-          <a:p>
-            <a:endParaRPr b="0" lang="en-US" sz="2000" spc="-1" strike="noStrike">
+          <a:lstStyle/>
+          <a:p>
+            <a:endParaRPr lang="en-US" sz="2000" b="0" strike="noStrike" spc="-1">
               <a:solidFill>
                 <a:srgbClr val="404040"/>
               </a:solidFill>
@@ -479,11 +594,12 @@
           </a:prstGeom>
         </p:spPr>
         <p:txBody>
-          <a:bodyPr lIns="0" rIns="0" tIns="0" bIns="0">
+          <a:bodyPr lIns="0" tIns="0" rIns="0" bIns="0">
             <a:normAutofit/>
           </a:bodyPr>
-          <a:p>
-            <a:endParaRPr b="0" lang="en-US" sz="2000" spc="-1" strike="noStrike">
+          <a:lstStyle/>
+          <a:p>
+            <a:endParaRPr lang="en-US" sz="2000" b="0" strike="noStrike" spc="-1">
               <a:solidFill>
                 <a:srgbClr val="404040"/>
               </a:solidFill>
@@ -512,11 +628,12 @@
           </a:prstGeom>
         </p:spPr>
         <p:txBody>
-          <a:bodyPr lIns="0" rIns="0" tIns="0" bIns="0">
+          <a:bodyPr lIns="0" tIns="0" rIns="0" bIns="0">
             <a:normAutofit/>
           </a:bodyPr>
-          <a:p>
-            <a:endParaRPr b="0" lang="en-US" sz="2000" spc="-1" strike="noStrike">
+          <a:lstStyle/>
+          <a:p>
+            <a:endParaRPr lang="en-US" sz="2000" b="0" strike="noStrike" spc="-1">
               <a:solidFill>
                 <a:srgbClr val="404040"/>
               </a:solidFill>
@@ -545,11 +662,12 @@
           </a:prstGeom>
         </p:spPr>
         <p:txBody>
-          <a:bodyPr lIns="0" rIns="0" tIns="0" bIns="0">
+          <a:bodyPr lIns="0" tIns="0" rIns="0" bIns="0">
             <a:normAutofit/>
           </a:bodyPr>
-          <a:p>
-            <a:endParaRPr b="0" lang="en-US" sz="2000" spc="-1" strike="noStrike">
+          <a:lstStyle/>
+          <a:p>
+            <a:endParaRPr lang="en-US" sz="2000" b="0" strike="noStrike" spc="-1">
               <a:solidFill>
                 <a:srgbClr val="404040"/>
               </a:solidFill>
@@ -578,11 +696,12 @@
           </a:prstGeom>
         </p:spPr>
         <p:txBody>
-          <a:bodyPr lIns="0" rIns="0" tIns="0" bIns="0">
+          <a:bodyPr lIns="0" tIns="0" rIns="0" bIns="0">
             <a:normAutofit/>
           </a:bodyPr>
-          <a:p>
-            <a:endParaRPr b="0" lang="en-US" sz="2000" spc="-1" strike="noStrike">
+          <a:lstStyle/>
+          <a:p>
+            <a:endParaRPr lang="en-US" sz="2000" b="0" strike="noStrike" spc="-1">
               <a:solidFill>
                 <a:srgbClr val="404040"/>
               </a:solidFill>
@@ -593,11 +712,14 @@
       </p:sp>
     </p:spTree>
   </p:cSld>
+  <p:clrMapOvr>
+    <a:masterClrMapping/>
+  </p:clrMapOvr>
 </p:sldLayout>
 </file>
 
 <file path=ppt/slideLayouts/slideLayout13.xml><?xml version="1.0" encoding="utf-8"?>
-<p:sldLayout xmlns:a="http://schemas.openxmlformats.org/drawingml/2006/main" xmlns:p="http://schemas.openxmlformats.org/presentationml/2006/main" xmlns:r="http://schemas.openxmlformats.org/officeDocument/2006/relationships" xmlns:p14="http://schemas.microsoft.com/office/powerpoint/2010/main" xmlns:p15="http://schemas.microsoft.com/office/powerpoint/2012/main" xmlns:mc="http://schemas.openxmlformats.org/markup-compatibility/2006" type="blank" preserve="1">
+<p:sldLayout xmlns:a="http://schemas.openxmlformats.org/drawingml/2006/main" xmlns:r="http://schemas.openxmlformats.org/officeDocument/2006/relationships" xmlns:p="http://schemas.openxmlformats.org/presentationml/2006/main" type="blank" preserve="1">
   <p:cSld name="Blank Slide">
     <p:spTree>
       <p:nvGrpSpPr>
@@ -615,11 +737,14 @@
       </p:grpSpPr>
     </p:spTree>
   </p:cSld>
+  <p:clrMapOvr>
+    <a:masterClrMapping/>
+  </p:clrMapOvr>
 </p:sldLayout>
 </file>
 
 <file path=ppt/slideLayouts/slideLayout14.xml><?xml version="1.0" encoding="utf-8"?>
-<p:sldLayout xmlns:a="http://schemas.openxmlformats.org/drawingml/2006/main" xmlns:p="http://schemas.openxmlformats.org/presentationml/2006/main" xmlns:r="http://schemas.openxmlformats.org/officeDocument/2006/relationships" xmlns:p14="http://schemas.microsoft.com/office/powerpoint/2010/main" xmlns:p15="http://schemas.microsoft.com/office/powerpoint/2012/main" xmlns:mc="http://schemas.openxmlformats.org/markup-compatibility/2006" type="tx" preserve="1">
+<p:sldLayout xmlns:a="http://schemas.openxmlformats.org/drawingml/2006/main" xmlns:r="http://schemas.openxmlformats.org/officeDocument/2006/relationships" xmlns:p="http://schemas.openxmlformats.org/presentationml/2006/main" type="tx" preserve="1">
   <p:cSld name="Title Slide">
     <p:spTree>
       <p:nvGrpSpPr>
@@ -655,9 +780,10 @@
           </a:prstGeom>
         </p:spPr>
         <p:txBody>
-          <a:bodyPr lIns="0" rIns="0" tIns="0" bIns="0" anchor="ctr"/>
-          <a:p>
-            <a:endParaRPr b="0" lang="en-US" sz="1800" spc="-1" strike="noStrike">
+          <a:bodyPr lIns="0" tIns="0" rIns="0" bIns="0" anchor="ctr"/>
+          <a:lstStyle/>
+          <a:p>
+            <a:endParaRPr lang="en-US" sz="1800" b="0" strike="noStrike" spc="-1">
               <a:solidFill>
                 <a:srgbClr val="000000"/>
               </a:solidFill>
@@ -686,10 +812,11 @@
           </a:prstGeom>
         </p:spPr>
         <p:txBody>
-          <a:bodyPr lIns="0" rIns="0" tIns="0" bIns="0" anchor="ctr"/>
+          <a:bodyPr lIns="0" tIns="0" rIns="0" bIns="0" anchor="ctr"/>
+          <a:lstStyle/>
           <a:p>
             <a:pPr algn="ctr"/>
-            <a:endParaRPr b="0" lang="en-US" sz="3200" spc="-1" strike="noStrike">
+            <a:endParaRPr lang="en-US" sz="3200" b="0" strike="noStrike" spc="-1">
               <a:latin typeface="Arial"/>
             </a:endParaRPr>
           </a:p>
@@ -697,11 +824,14 @@
       </p:sp>
     </p:spTree>
   </p:cSld>
+  <p:clrMapOvr>
+    <a:masterClrMapping/>
+  </p:clrMapOvr>
 </p:sldLayout>
 </file>
 
 <file path=ppt/slideLayouts/slideLayout15.xml><?xml version="1.0" encoding="utf-8"?>
-<p:sldLayout xmlns:a="http://schemas.openxmlformats.org/drawingml/2006/main" xmlns:p="http://schemas.openxmlformats.org/presentationml/2006/main" xmlns:r="http://schemas.openxmlformats.org/officeDocument/2006/relationships" xmlns:p14="http://schemas.microsoft.com/office/powerpoint/2010/main" xmlns:p15="http://schemas.microsoft.com/office/powerpoint/2012/main" xmlns:mc="http://schemas.openxmlformats.org/markup-compatibility/2006" type="obj" preserve="1">
+<p:sldLayout xmlns:a="http://schemas.openxmlformats.org/drawingml/2006/main" xmlns:r="http://schemas.openxmlformats.org/officeDocument/2006/relationships" xmlns:p="http://schemas.openxmlformats.org/presentationml/2006/main" type="obj" preserve="1">
   <p:cSld name="Title, Content">
     <p:spTree>
       <p:nvGrpSpPr>
@@ -737,9 +867,10 @@
           </a:prstGeom>
         </p:spPr>
         <p:txBody>
-          <a:bodyPr lIns="0" rIns="0" tIns="0" bIns="0" anchor="ctr"/>
-          <a:p>
-            <a:endParaRPr b="0" lang="en-US" sz="1800" spc="-1" strike="noStrike">
+          <a:bodyPr lIns="0" tIns="0" rIns="0" bIns="0" anchor="ctr"/>
+          <a:lstStyle/>
+          <a:p>
+            <a:endParaRPr lang="en-US" sz="1800" b="0" strike="noStrike" spc="-1">
               <a:solidFill>
                 <a:srgbClr val="000000"/>
               </a:solidFill>
@@ -768,11 +899,12 @@
           </a:prstGeom>
         </p:spPr>
         <p:txBody>
-          <a:bodyPr lIns="0" rIns="0" tIns="0" bIns="0">
+          <a:bodyPr lIns="0" tIns="0" rIns="0" bIns="0">
             <a:normAutofit/>
           </a:bodyPr>
-          <a:p>
-            <a:endParaRPr b="0" lang="en-US" sz="2000" spc="-1" strike="noStrike">
+          <a:lstStyle/>
+          <a:p>
+            <a:endParaRPr lang="en-US" sz="2000" b="0" strike="noStrike" spc="-1">
               <a:solidFill>
                 <a:srgbClr val="404040"/>
               </a:solidFill>
@@ -783,11 +915,14 @@
       </p:sp>
     </p:spTree>
   </p:cSld>
+  <p:clrMapOvr>
+    <a:masterClrMapping/>
+  </p:clrMapOvr>
 </p:sldLayout>
 </file>
 
 <file path=ppt/slideLayouts/slideLayout16.xml><?xml version="1.0" encoding="utf-8"?>
-<p:sldLayout xmlns:a="http://schemas.openxmlformats.org/drawingml/2006/main" xmlns:p="http://schemas.openxmlformats.org/presentationml/2006/main" xmlns:r="http://schemas.openxmlformats.org/officeDocument/2006/relationships" xmlns:p14="http://schemas.microsoft.com/office/powerpoint/2010/main" xmlns:p15="http://schemas.microsoft.com/office/powerpoint/2012/main" xmlns:mc="http://schemas.openxmlformats.org/markup-compatibility/2006" type="twoObj" preserve="1">
+<p:sldLayout xmlns:a="http://schemas.openxmlformats.org/drawingml/2006/main" xmlns:r="http://schemas.openxmlformats.org/officeDocument/2006/relationships" xmlns:p="http://schemas.openxmlformats.org/presentationml/2006/main" type="twoObj" preserve="1">
   <p:cSld name="Title, 2 Content">
     <p:spTree>
       <p:nvGrpSpPr>
@@ -823,9 +958,10 @@
           </a:prstGeom>
         </p:spPr>
         <p:txBody>
-          <a:bodyPr lIns="0" rIns="0" tIns="0" bIns="0" anchor="ctr"/>
-          <a:p>
-            <a:endParaRPr b="0" lang="en-US" sz="1800" spc="-1" strike="noStrike">
+          <a:bodyPr lIns="0" tIns="0" rIns="0" bIns="0" anchor="ctr"/>
+          <a:lstStyle/>
+          <a:p>
+            <a:endParaRPr lang="en-US" sz="1800" b="0" strike="noStrike" spc="-1">
               <a:solidFill>
                 <a:srgbClr val="000000"/>
               </a:solidFill>
@@ -854,11 +990,12 @@
           </a:prstGeom>
         </p:spPr>
         <p:txBody>
-          <a:bodyPr lIns="0" rIns="0" tIns="0" bIns="0">
+          <a:bodyPr lIns="0" tIns="0" rIns="0" bIns="0">
             <a:normAutofit/>
           </a:bodyPr>
-          <a:p>
-            <a:endParaRPr b="0" lang="en-US" sz="2000" spc="-1" strike="noStrike">
+          <a:lstStyle/>
+          <a:p>
+            <a:endParaRPr lang="en-US" sz="2000" b="0" strike="noStrike" spc="-1">
               <a:solidFill>
                 <a:srgbClr val="404040"/>
               </a:solidFill>
@@ -887,11 +1024,12 @@
           </a:prstGeom>
         </p:spPr>
         <p:txBody>
-          <a:bodyPr lIns="0" rIns="0" tIns="0" bIns="0">
+          <a:bodyPr lIns="0" tIns="0" rIns="0" bIns="0">
             <a:normAutofit/>
           </a:bodyPr>
-          <a:p>
-            <a:endParaRPr b="0" lang="en-US" sz="2000" spc="-1" strike="noStrike">
+          <a:lstStyle/>
+          <a:p>
+            <a:endParaRPr lang="en-US" sz="2000" b="0" strike="noStrike" spc="-1">
               <a:solidFill>
                 <a:srgbClr val="404040"/>
               </a:solidFill>
@@ -902,11 +1040,14 @@
       </p:sp>
     </p:spTree>
   </p:cSld>
+  <p:clrMapOvr>
+    <a:masterClrMapping/>
+  </p:clrMapOvr>
 </p:sldLayout>
 </file>
 
 <file path=ppt/slideLayouts/slideLayout17.xml><?xml version="1.0" encoding="utf-8"?>
-<p:sldLayout xmlns:a="http://schemas.openxmlformats.org/drawingml/2006/main" xmlns:p="http://schemas.openxmlformats.org/presentationml/2006/main" xmlns:r="http://schemas.openxmlformats.org/officeDocument/2006/relationships" xmlns:p14="http://schemas.microsoft.com/office/powerpoint/2010/main" xmlns:p15="http://schemas.microsoft.com/office/powerpoint/2012/main" xmlns:mc="http://schemas.openxmlformats.org/markup-compatibility/2006" type="titleOnly" preserve="1">
+<p:sldLayout xmlns:a="http://schemas.openxmlformats.org/drawingml/2006/main" xmlns:r="http://schemas.openxmlformats.org/officeDocument/2006/relationships" xmlns:p="http://schemas.openxmlformats.org/presentationml/2006/main" type="titleOnly" preserve="1">
   <p:cSld name="Title Only">
     <p:spTree>
       <p:nvGrpSpPr>
@@ -942,9 +1083,10 @@
           </a:prstGeom>
         </p:spPr>
         <p:txBody>
-          <a:bodyPr lIns="0" rIns="0" tIns="0" bIns="0" anchor="ctr"/>
-          <a:p>
-            <a:endParaRPr b="0" lang="en-US" sz="1800" spc="-1" strike="noStrike">
+          <a:bodyPr lIns="0" tIns="0" rIns="0" bIns="0" anchor="ctr"/>
+          <a:lstStyle/>
+          <a:p>
+            <a:endParaRPr lang="en-US" sz="1800" b="0" strike="noStrike" spc="-1">
               <a:solidFill>
                 <a:srgbClr val="000000"/>
               </a:solidFill>
@@ -955,11 +1097,14 @@
       </p:sp>
     </p:spTree>
   </p:cSld>
+  <p:clrMapOvr>
+    <a:masterClrMapping/>
+  </p:clrMapOvr>
 </p:sldLayout>
 </file>
 
 <file path=ppt/slideLayouts/slideLayout18.xml><?xml version="1.0" encoding="utf-8"?>
-<p:sldLayout xmlns:a="http://schemas.openxmlformats.org/drawingml/2006/main" xmlns:p="http://schemas.openxmlformats.org/presentationml/2006/main" xmlns:r="http://schemas.openxmlformats.org/officeDocument/2006/relationships" xmlns:p14="http://schemas.microsoft.com/office/powerpoint/2010/main" xmlns:p15="http://schemas.microsoft.com/office/powerpoint/2012/main" xmlns:mc="http://schemas.openxmlformats.org/markup-compatibility/2006" type="objOnly" preserve="1">
+<p:sldLayout xmlns:a="http://schemas.openxmlformats.org/drawingml/2006/main" xmlns:r="http://schemas.openxmlformats.org/officeDocument/2006/relationships" xmlns:p="http://schemas.openxmlformats.org/presentationml/2006/main" type="objOnly" preserve="1">
   <p:cSld name="Centered Text">
     <p:spTree>
       <p:nvGrpSpPr>
@@ -995,10 +1140,11 @@
           </a:prstGeom>
         </p:spPr>
         <p:txBody>
-          <a:bodyPr lIns="0" rIns="0" tIns="0" bIns="0" anchor="ctr"/>
+          <a:bodyPr lIns="0" tIns="0" rIns="0" bIns="0" anchor="ctr"/>
+          <a:lstStyle/>
           <a:p>
             <a:pPr algn="ctr"/>
-            <a:endParaRPr b="0" lang="en-US" sz="3200" spc="-1" strike="noStrike">
+            <a:endParaRPr lang="en-US" sz="3200" b="0" strike="noStrike" spc="-1">
               <a:latin typeface="Arial"/>
             </a:endParaRPr>
           </a:p>
@@ -1006,11 +1152,14 @@
       </p:sp>
     </p:spTree>
   </p:cSld>
+  <p:clrMapOvr>
+    <a:masterClrMapping/>
+  </p:clrMapOvr>
 </p:sldLayout>
 </file>
 
 <file path=ppt/slideLayouts/slideLayout19.xml><?xml version="1.0" encoding="utf-8"?>
-<p:sldLayout xmlns:a="http://schemas.openxmlformats.org/drawingml/2006/main" xmlns:p="http://schemas.openxmlformats.org/presentationml/2006/main" xmlns:r="http://schemas.openxmlformats.org/officeDocument/2006/relationships" xmlns:p14="http://schemas.microsoft.com/office/powerpoint/2010/main" xmlns:p15="http://schemas.microsoft.com/office/powerpoint/2012/main" xmlns:mc="http://schemas.openxmlformats.org/markup-compatibility/2006" type="twoObjAndObj" preserve="1">
+<p:sldLayout xmlns:a="http://schemas.openxmlformats.org/drawingml/2006/main" xmlns:r="http://schemas.openxmlformats.org/officeDocument/2006/relationships" xmlns:p="http://schemas.openxmlformats.org/presentationml/2006/main" type="twoObjAndObj" preserve="1">
   <p:cSld name="Title, 2 Content and Content">
     <p:spTree>
       <p:nvGrpSpPr>
@@ -1046,9 +1195,10 @@
           </a:prstGeom>
         </p:spPr>
         <p:txBody>
-          <a:bodyPr lIns="0" rIns="0" tIns="0" bIns="0" anchor="ctr"/>
-          <a:p>
-            <a:endParaRPr b="0" lang="en-US" sz="1800" spc="-1" strike="noStrike">
+          <a:bodyPr lIns="0" tIns="0" rIns="0" bIns="0" anchor="ctr"/>
+          <a:lstStyle/>
+          <a:p>
+            <a:endParaRPr lang="en-US" sz="1800" b="0" strike="noStrike" spc="-1">
               <a:solidFill>
                 <a:srgbClr val="000000"/>
               </a:solidFill>
@@ -1077,11 +1227,12 @@
           </a:prstGeom>
         </p:spPr>
         <p:txBody>
-          <a:bodyPr lIns="0" rIns="0" tIns="0" bIns="0">
+          <a:bodyPr lIns="0" tIns="0" rIns="0" bIns="0">
             <a:normAutofit/>
           </a:bodyPr>
-          <a:p>
-            <a:endParaRPr b="0" lang="en-US" sz="2000" spc="-1" strike="noStrike">
+          <a:lstStyle/>
+          <a:p>
+            <a:endParaRPr lang="en-US" sz="2000" b="0" strike="noStrike" spc="-1">
               <a:solidFill>
                 <a:srgbClr val="404040"/>
               </a:solidFill>
@@ -1110,11 +1261,12 @@
           </a:prstGeom>
         </p:spPr>
         <p:txBody>
-          <a:bodyPr lIns="0" rIns="0" tIns="0" bIns="0">
+          <a:bodyPr lIns="0" tIns="0" rIns="0" bIns="0">
             <a:normAutofit/>
           </a:bodyPr>
-          <a:p>
-            <a:endParaRPr b="0" lang="en-US" sz="2000" spc="-1" strike="noStrike">
+          <a:lstStyle/>
+          <a:p>
+            <a:endParaRPr lang="en-US" sz="2000" b="0" strike="noStrike" spc="-1">
               <a:solidFill>
                 <a:srgbClr val="404040"/>
               </a:solidFill>
@@ -1143,11 +1295,12 @@
           </a:prstGeom>
         </p:spPr>
         <p:txBody>
-          <a:bodyPr lIns="0" rIns="0" tIns="0" bIns="0">
+          <a:bodyPr lIns="0" tIns="0" rIns="0" bIns="0">
             <a:normAutofit/>
           </a:bodyPr>
-          <a:p>
-            <a:endParaRPr b="0" lang="en-US" sz="2000" spc="-1" strike="noStrike">
+          <a:lstStyle/>
+          <a:p>
+            <a:endParaRPr lang="en-US" sz="2000" b="0" strike="noStrike" spc="-1">
               <a:solidFill>
                 <a:srgbClr val="404040"/>
               </a:solidFill>
@@ -1158,11 +1311,14 @@
       </p:sp>
     </p:spTree>
   </p:cSld>
+  <p:clrMapOvr>
+    <a:masterClrMapping/>
+  </p:clrMapOvr>
 </p:sldLayout>
 </file>
 
 <file path=ppt/slideLayouts/slideLayout2.xml><?xml version="1.0" encoding="utf-8"?>
-<p:sldLayout xmlns:a="http://schemas.openxmlformats.org/drawingml/2006/main" xmlns:p="http://schemas.openxmlformats.org/presentationml/2006/main" xmlns:r="http://schemas.openxmlformats.org/officeDocument/2006/relationships" xmlns:p14="http://schemas.microsoft.com/office/powerpoint/2010/main" xmlns:p15="http://schemas.microsoft.com/office/powerpoint/2012/main" xmlns:mc="http://schemas.openxmlformats.org/markup-compatibility/2006" type="tx" preserve="1">
+<p:sldLayout xmlns:a="http://schemas.openxmlformats.org/drawingml/2006/main" xmlns:r="http://schemas.openxmlformats.org/officeDocument/2006/relationships" xmlns:p="http://schemas.openxmlformats.org/presentationml/2006/main" type="tx" preserve="1">
   <p:cSld name="Title Slide">
     <p:spTree>
       <p:nvGrpSpPr>
@@ -1198,9 +1354,10 @@
           </a:prstGeom>
         </p:spPr>
         <p:txBody>
-          <a:bodyPr lIns="0" rIns="0" tIns="0" bIns="0" anchor="ctr"/>
-          <a:p>
-            <a:endParaRPr b="0" lang="en-US" sz="1800" spc="-1" strike="noStrike">
+          <a:bodyPr lIns="0" tIns="0" rIns="0" bIns="0" anchor="ctr"/>
+          <a:lstStyle/>
+          <a:p>
+            <a:endParaRPr lang="en-US" sz="1800" b="0" strike="noStrike" spc="-1">
               <a:solidFill>
                 <a:srgbClr val="000000"/>
               </a:solidFill>
@@ -1229,10 +1386,11 @@
           </a:prstGeom>
         </p:spPr>
         <p:txBody>
-          <a:bodyPr lIns="0" rIns="0" tIns="0" bIns="0" anchor="ctr"/>
+          <a:bodyPr lIns="0" tIns="0" rIns="0" bIns="0" anchor="ctr"/>
+          <a:lstStyle/>
           <a:p>
             <a:pPr algn="ctr"/>
-            <a:endParaRPr b="0" lang="en-US" sz="3200" spc="-1" strike="noStrike">
+            <a:endParaRPr lang="en-US" sz="3200" b="0" strike="noStrike" spc="-1">
               <a:latin typeface="Arial"/>
             </a:endParaRPr>
           </a:p>
@@ -1240,11 +1398,14 @@
       </p:sp>
     </p:spTree>
   </p:cSld>
+  <p:clrMapOvr>
+    <a:masterClrMapping/>
+  </p:clrMapOvr>
 </p:sldLayout>
 </file>
 
 <file path=ppt/slideLayouts/slideLayout20.xml><?xml version="1.0" encoding="utf-8"?>
-<p:sldLayout xmlns:a="http://schemas.openxmlformats.org/drawingml/2006/main" xmlns:p="http://schemas.openxmlformats.org/presentationml/2006/main" xmlns:r="http://schemas.openxmlformats.org/officeDocument/2006/relationships" xmlns:p14="http://schemas.microsoft.com/office/powerpoint/2010/main" xmlns:p15="http://schemas.microsoft.com/office/powerpoint/2012/main" xmlns:mc="http://schemas.openxmlformats.org/markup-compatibility/2006" type="objAndTwoObj" preserve="1">
+<p:sldLayout xmlns:a="http://schemas.openxmlformats.org/drawingml/2006/main" xmlns:r="http://schemas.openxmlformats.org/officeDocument/2006/relationships" xmlns:p="http://schemas.openxmlformats.org/presentationml/2006/main" type="objAndTwoObj" preserve="1">
   <p:cSld name="Title Content and 2 Content">
     <p:spTree>
       <p:nvGrpSpPr>
@@ -1280,9 +1441,10 @@
           </a:prstGeom>
         </p:spPr>
         <p:txBody>
-          <a:bodyPr lIns="0" rIns="0" tIns="0" bIns="0" anchor="ctr"/>
-          <a:p>
-            <a:endParaRPr b="0" lang="en-US" sz="1800" spc="-1" strike="noStrike">
+          <a:bodyPr lIns="0" tIns="0" rIns="0" bIns="0" anchor="ctr"/>
+          <a:lstStyle/>
+          <a:p>
+            <a:endParaRPr lang="en-US" sz="1800" b="0" strike="noStrike" spc="-1">
               <a:solidFill>
                 <a:srgbClr val="000000"/>
               </a:solidFill>
@@ -1311,11 +1473,12 @@
           </a:prstGeom>
         </p:spPr>
         <p:txBody>
-          <a:bodyPr lIns="0" rIns="0" tIns="0" bIns="0">
+          <a:bodyPr lIns="0" tIns="0" rIns="0" bIns="0">
             <a:normAutofit/>
           </a:bodyPr>
-          <a:p>
-            <a:endParaRPr b="0" lang="en-US" sz="2000" spc="-1" strike="noStrike">
+          <a:lstStyle/>
+          <a:p>
+            <a:endParaRPr lang="en-US" sz="2000" b="0" strike="noStrike" spc="-1">
               <a:solidFill>
                 <a:srgbClr val="404040"/>
               </a:solidFill>
@@ -1344,11 +1507,12 @@
           </a:prstGeom>
         </p:spPr>
         <p:txBody>
-          <a:bodyPr lIns="0" rIns="0" tIns="0" bIns="0">
+          <a:bodyPr lIns="0" tIns="0" rIns="0" bIns="0">
             <a:normAutofit/>
           </a:bodyPr>
-          <a:p>
-            <a:endParaRPr b="0" lang="en-US" sz="2000" spc="-1" strike="noStrike">
+          <a:lstStyle/>
+          <a:p>
+            <a:endParaRPr lang="en-US" sz="2000" b="0" strike="noStrike" spc="-1">
               <a:solidFill>
                 <a:srgbClr val="404040"/>
               </a:solidFill>
@@ -1377,11 +1541,12 @@
           </a:prstGeom>
         </p:spPr>
         <p:txBody>
-          <a:bodyPr lIns="0" rIns="0" tIns="0" bIns="0">
+          <a:bodyPr lIns="0" tIns="0" rIns="0" bIns="0">
             <a:normAutofit/>
           </a:bodyPr>
-          <a:p>
-            <a:endParaRPr b="0" lang="en-US" sz="2000" spc="-1" strike="noStrike">
+          <a:lstStyle/>
+          <a:p>
+            <a:endParaRPr lang="en-US" sz="2000" b="0" strike="noStrike" spc="-1">
               <a:solidFill>
                 <a:srgbClr val="404040"/>
               </a:solidFill>
@@ -1392,11 +1557,14 @@
       </p:sp>
     </p:spTree>
   </p:cSld>
+  <p:clrMapOvr>
+    <a:masterClrMapping/>
+  </p:clrMapOvr>
 </p:sldLayout>
 </file>
 
 <file path=ppt/slideLayouts/slideLayout21.xml><?xml version="1.0" encoding="utf-8"?>
-<p:sldLayout xmlns:a="http://schemas.openxmlformats.org/drawingml/2006/main" xmlns:p="http://schemas.openxmlformats.org/presentationml/2006/main" xmlns:r="http://schemas.openxmlformats.org/officeDocument/2006/relationships" xmlns:p14="http://schemas.microsoft.com/office/powerpoint/2010/main" xmlns:p15="http://schemas.microsoft.com/office/powerpoint/2012/main" xmlns:mc="http://schemas.openxmlformats.org/markup-compatibility/2006" type="twoObjOverTx" preserve="1">
+<p:sldLayout xmlns:a="http://schemas.openxmlformats.org/drawingml/2006/main" xmlns:r="http://schemas.openxmlformats.org/officeDocument/2006/relationships" xmlns:p="http://schemas.openxmlformats.org/presentationml/2006/main" type="twoObjOverTx" preserve="1">
   <p:cSld name="Title, 2 Content over Content">
     <p:spTree>
       <p:nvGrpSpPr>
@@ -1432,9 +1600,10 @@
           </a:prstGeom>
         </p:spPr>
         <p:txBody>
-          <a:bodyPr lIns="0" rIns="0" tIns="0" bIns="0" anchor="ctr"/>
-          <a:p>
-            <a:endParaRPr b="0" lang="en-US" sz="1800" spc="-1" strike="noStrike">
+          <a:bodyPr lIns="0" tIns="0" rIns="0" bIns="0" anchor="ctr"/>
+          <a:lstStyle/>
+          <a:p>
+            <a:endParaRPr lang="en-US" sz="1800" b="0" strike="noStrike" spc="-1">
               <a:solidFill>
                 <a:srgbClr val="000000"/>
               </a:solidFill>
@@ -1463,11 +1632,12 @@
           </a:prstGeom>
         </p:spPr>
         <p:txBody>
-          <a:bodyPr lIns="0" rIns="0" tIns="0" bIns="0">
+          <a:bodyPr lIns="0" tIns="0" rIns="0" bIns="0">
             <a:normAutofit/>
           </a:bodyPr>
-          <a:p>
-            <a:endParaRPr b="0" lang="en-US" sz="2000" spc="-1" strike="noStrike">
+          <a:lstStyle/>
+          <a:p>
+            <a:endParaRPr lang="en-US" sz="2000" b="0" strike="noStrike" spc="-1">
               <a:solidFill>
                 <a:srgbClr val="404040"/>
               </a:solidFill>
@@ -1496,11 +1666,12 @@
           </a:prstGeom>
         </p:spPr>
         <p:txBody>
-          <a:bodyPr lIns="0" rIns="0" tIns="0" bIns="0">
+          <a:bodyPr lIns="0" tIns="0" rIns="0" bIns="0">
             <a:normAutofit/>
           </a:bodyPr>
-          <a:p>
-            <a:endParaRPr b="0" lang="en-US" sz="2000" spc="-1" strike="noStrike">
+          <a:lstStyle/>
+          <a:p>
+            <a:endParaRPr lang="en-US" sz="2000" b="0" strike="noStrike" spc="-1">
               <a:solidFill>
                 <a:srgbClr val="404040"/>
               </a:solidFill>
@@ -1529,11 +1700,12 @@
           </a:prstGeom>
         </p:spPr>
         <p:txBody>
-          <a:bodyPr lIns="0" rIns="0" tIns="0" bIns="0">
+          <a:bodyPr lIns="0" tIns="0" rIns="0" bIns="0">
             <a:normAutofit/>
           </a:bodyPr>
-          <a:p>
-            <a:endParaRPr b="0" lang="en-US" sz="2000" spc="-1" strike="noStrike">
+          <a:lstStyle/>
+          <a:p>
+            <a:endParaRPr lang="en-US" sz="2000" b="0" strike="noStrike" spc="-1">
               <a:solidFill>
                 <a:srgbClr val="404040"/>
               </a:solidFill>
@@ -1544,11 +1716,14 @@
       </p:sp>
     </p:spTree>
   </p:cSld>
+  <p:clrMapOvr>
+    <a:masterClrMapping/>
+  </p:clrMapOvr>
 </p:sldLayout>
 </file>
 
 <file path=ppt/slideLayouts/slideLayout22.xml><?xml version="1.0" encoding="utf-8"?>
-<p:sldLayout xmlns:a="http://schemas.openxmlformats.org/drawingml/2006/main" xmlns:p="http://schemas.openxmlformats.org/presentationml/2006/main" xmlns:r="http://schemas.openxmlformats.org/officeDocument/2006/relationships" xmlns:p14="http://schemas.microsoft.com/office/powerpoint/2010/main" xmlns:p15="http://schemas.microsoft.com/office/powerpoint/2012/main" xmlns:mc="http://schemas.openxmlformats.org/markup-compatibility/2006" type="objOverTx" preserve="1">
+<p:sldLayout xmlns:a="http://schemas.openxmlformats.org/drawingml/2006/main" xmlns:r="http://schemas.openxmlformats.org/officeDocument/2006/relationships" xmlns:p="http://schemas.openxmlformats.org/presentationml/2006/main" type="objOverTx" preserve="1">
   <p:cSld name="Title, Content over Content">
     <p:spTree>
       <p:nvGrpSpPr>
@@ -1584,9 +1759,10 @@
           </a:prstGeom>
         </p:spPr>
         <p:txBody>
-          <a:bodyPr lIns="0" rIns="0" tIns="0" bIns="0" anchor="ctr"/>
-          <a:p>
-            <a:endParaRPr b="0" lang="en-US" sz="1800" spc="-1" strike="noStrike">
+          <a:bodyPr lIns="0" tIns="0" rIns="0" bIns="0" anchor="ctr"/>
+          <a:lstStyle/>
+          <a:p>
+            <a:endParaRPr lang="en-US" sz="1800" b="0" strike="noStrike" spc="-1">
               <a:solidFill>
                 <a:srgbClr val="000000"/>
               </a:solidFill>
@@ -1615,11 +1791,12 @@
           </a:prstGeom>
         </p:spPr>
         <p:txBody>
-          <a:bodyPr lIns="0" rIns="0" tIns="0" bIns="0">
+          <a:bodyPr lIns="0" tIns="0" rIns="0" bIns="0">
             <a:normAutofit/>
           </a:bodyPr>
-          <a:p>
-            <a:endParaRPr b="0" lang="en-US" sz="2000" spc="-1" strike="noStrike">
+          <a:lstStyle/>
+          <a:p>
+            <a:endParaRPr lang="en-US" sz="2000" b="0" strike="noStrike" spc="-1">
               <a:solidFill>
                 <a:srgbClr val="404040"/>
               </a:solidFill>
@@ -1648,11 +1825,12 @@
           </a:prstGeom>
         </p:spPr>
         <p:txBody>
-          <a:bodyPr lIns="0" rIns="0" tIns="0" bIns="0">
+          <a:bodyPr lIns="0" tIns="0" rIns="0" bIns="0">
             <a:normAutofit/>
           </a:bodyPr>
-          <a:p>
-            <a:endParaRPr b="0" lang="en-US" sz="2000" spc="-1" strike="noStrike">
+          <a:lstStyle/>
+          <a:p>
+            <a:endParaRPr lang="en-US" sz="2000" b="0" strike="noStrike" spc="-1">
               <a:solidFill>
                 <a:srgbClr val="404040"/>
               </a:solidFill>
@@ -1663,11 +1841,14 @@
       </p:sp>
     </p:spTree>
   </p:cSld>
+  <p:clrMapOvr>
+    <a:masterClrMapping/>
+  </p:clrMapOvr>
 </p:sldLayout>
 </file>
 
 <file path=ppt/slideLayouts/slideLayout23.xml><?xml version="1.0" encoding="utf-8"?>
-<p:sldLayout xmlns:a="http://schemas.openxmlformats.org/drawingml/2006/main" xmlns:p="http://schemas.openxmlformats.org/presentationml/2006/main" xmlns:r="http://schemas.openxmlformats.org/officeDocument/2006/relationships" xmlns:p14="http://schemas.microsoft.com/office/powerpoint/2010/main" xmlns:p15="http://schemas.microsoft.com/office/powerpoint/2012/main" xmlns:mc="http://schemas.openxmlformats.org/markup-compatibility/2006" type="fourObj" preserve="1">
+<p:sldLayout xmlns:a="http://schemas.openxmlformats.org/drawingml/2006/main" xmlns:r="http://schemas.openxmlformats.org/officeDocument/2006/relationships" xmlns:p="http://schemas.openxmlformats.org/presentationml/2006/main" type="fourObj" preserve="1">
   <p:cSld name="Title, 4 Content">
     <p:spTree>
       <p:nvGrpSpPr>
@@ -1703,9 +1884,10 @@
           </a:prstGeom>
         </p:spPr>
         <p:txBody>
-          <a:bodyPr lIns="0" rIns="0" tIns="0" bIns="0" anchor="ctr"/>
-          <a:p>
-            <a:endParaRPr b="0" lang="en-US" sz="1800" spc="-1" strike="noStrike">
+          <a:bodyPr lIns="0" tIns="0" rIns="0" bIns="0" anchor="ctr"/>
+          <a:lstStyle/>
+          <a:p>
+            <a:endParaRPr lang="en-US" sz="1800" b="0" strike="noStrike" spc="-1">
               <a:solidFill>
                 <a:srgbClr val="000000"/>
               </a:solidFill>
@@ -1734,11 +1916,12 @@
           </a:prstGeom>
         </p:spPr>
         <p:txBody>
-          <a:bodyPr lIns="0" rIns="0" tIns="0" bIns="0">
+          <a:bodyPr lIns="0" tIns="0" rIns="0" bIns="0">
             <a:normAutofit/>
           </a:bodyPr>
-          <a:p>
-            <a:endParaRPr b="0" lang="en-US" sz="2000" spc="-1" strike="noStrike">
+          <a:lstStyle/>
+          <a:p>
+            <a:endParaRPr lang="en-US" sz="2000" b="0" strike="noStrike" spc="-1">
               <a:solidFill>
                 <a:srgbClr val="404040"/>
               </a:solidFill>
@@ -1767,11 +1950,12 @@
           </a:prstGeom>
         </p:spPr>
         <p:txBody>
-          <a:bodyPr lIns="0" rIns="0" tIns="0" bIns="0">
+          <a:bodyPr lIns="0" tIns="0" rIns="0" bIns="0">
             <a:normAutofit/>
           </a:bodyPr>
-          <a:p>
-            <a:endParaRPr b="0" lang="en-US" sz="2000" spc="-1" strike="noStrike">
+          <a:lstStyle/>
+          <a:p>
+            <a:endParaRPr lang="en-US" sz="2000" b="0" strike="noStrike" spc="-1">
               <a:solidFill>
                 <a:srgbClr val="404040"/>
               </a:solidFill>
@@ -1800,11 +1984,12 @@
           </a:prstGeom>
         </p:spPr>
         <p:txBody>
-          <a:bodyPr lIns="0" rIns="0" tIns="0" bIns="0">
+          <a:bodyPr lIns="0" tIns="0" rIns="0" bIns="0">
             <a:normAutofit/>
           </a:bodyPr>
-          <a:p>
-            <a:endParaRPr b="0" lang="en-US" sz="2000" spc="-1" strike="noStrike">
+          <a:lstStyle/>
+          <a:p>
+            <a:endParaRPr lang="en-US" sz="2000" b="0" strike="noStrike" spc="-1">
               <a:solidFill>
                 <a:srgbClr val="404040"/>
               </a:solidFill>
@@ -1833,11 +2018,12 @@
           </a:prstGeom>
         </p:spPr>
         <p:txBody>
-          <a:bodyPr lIns="0" rIns="0" tIns="0" bIns="0">
+          <a:bodyPr lIns="0" tIns="0" rIns="0" bIns="0">
             <a:normAutofit/>
           </a:bodyPr>
-          <a:p>
-            <a:endParaRPr b="0" lang="en-US" sz="2000" spc="-1" strike="noStrike">
+          <a:lstStyle/>
+          <a:p>
+            <a:endParaRPr lang="en-US" sz="2000" b="0" strike="noStrike" spc="-1">
               <a:solidFill>
                 <a:srgbClr val="404040"/>
               </a:solidFill>
@@ -1848,11 +2034,14 @@
       </p:sp>
     </p:spTree>
   </p:cSld>
+  <p:clrMapOvr>
+    <a:masterClrMapping/>
+  </p:clrMapOvr>
 </p:sldLayout>
 </file>
 
 <file path=ppt/slideLayouts/slideLayout24.xml><?xml version="1.0" encoding="utf-8"?>
-<p:sldLayout xmlns:a="http://schemas.openxmlformats.org/drawingml/2006/main" xmlns:p="http://schemas.openxmlformats.org/presentationml/2006/main" xmlns:r="http://schemas.openxmlformats.org/officeDocument/2006/relationships" xmlns:p14="http://schemas.microsoft.com/office/powerpoint/2010/main" xmlns:p15="http://schemas.microsoft.com/office/powerpoint/2012/main" xmlns:mc="http://schemas.openxmlformats.org/markup-compatibility/2006" type="blank" preserve="1">
+<p:sldLayout xmlns:a="http://schemas.openxmlformats.org/drawingml/2006/main" xmlns:r="http://schemas.openxmlformats.org/officeDocument/2006/relationships" xmlns:p="http://schemas.openxmlformats.org/presentationml/2006/main" type="blank" preserve="1">
   <p:cSld name="Title, 6 Content">
     <p:spTree>
       <p:nvGrpSpPr>
@@ -1888,9 +2077,10 @@
           </a:prstGeom>
         </p:spPr>
         <p:txBody>
-          <a:bodyPr lIns="0" rIns="0" tIns="0" bIns="0" anchor="ctr"/>
-          <a:p>
-            <a:endParaRPr b="0" lang="en-US" sz="1800" spc="-1" strike="noStrike">
+          <a:bodyPr lIns="0" tIns="0" rIns="0" bIns="0" anchor="ctr"/>
+          <a:lstStyle/>
+          <a:p>
+            <a:endParaRPr lang="en-US" sz="1800" b="0" strike="noStrike" spc="-1">
               <a:solidFill>
                 <a:srgbClr val="000000"/>
               </a:solidFill>
@@ -1919,11 +2109,12 @@
           </a:prstGeom>
         </p:spPr>
         <p:txBody>
-          <a:bodyPr lIns="0" rIns="0" tIns="0" bIns="0">
+          <a:bodyPr lIns="0" tIns="0" rIns="0" bIns="0">
             <a:normAutofit/>
           </a:bodyPr>
-          <a:p>
-            <a:endParaRPr b="0" lang="en-US" sz="2000" spc="-1" strike="noStrike">
+          <a:lstStyle/>
+          <a:p>
+            <a:endParaRPr lang="en-US" sz="2000" b="0" strike="noStrike" spc="-1">
               <a:solidFill>
                 <a:srgbClr val="404040"/>
               </a:solidFill>
@@ -1952,11 +2143,12 @@
           </a:prstGeom>
         </p:spPr>
         <p:txBody>
-          <a:bodyPr lIns="0" rIns="0" tIns="0" bIns="0">
+          <a:bodyPr lIns="0" tIns="0" rIns="0" bIns="0">
             <a:normAutofit/>
           </a:bodyPr>
-          <a:p>
-            <a:endParaRPr b="0" lang="en-US" sz="2000" spc="-1" strike="noStrike">
+          <a:lstStyle/>
+          <a:p>
+            <a:endParaRPr lang="en-US" sz="2000" b="0" strike="noStrike" spc="-1">
               <a:solidFill>
                 <a:srgbClr val="404040"/>
               </a:solidFill>
@@ -1985,11 +2177,12 @@
           </a:prstGeom>
         </p:spPr>
         <p:txBody>
-          <a:bodyPr lIns="0" rIns="0" tIns="0" bIns="0">
+          <a:bodyPr lIns="0" tIns="0" rIns="0" bIns="0">
             <a:normAutofit/>
           </a:bodyPr>
-          <a:p>
-            <a:endParaRPr b="0" lang="en-US" sz="2000" spc="-1" strike="noStrike">
+          <a:lstStyle/>
+          <a:p>
+            <a:endParaRPr lang="en-US" sz="2000" b="0" strike="noStrike" spc="-1">
               <a:solidFill>
                 <a:srgbClr val="404040"/>
               </a:solidFill>
@@ -2018,11 +2211,12 @@
           </a:prstGeom>
         </p:spPr>
         <p:txBody>
-          <a:bodyPr lIns="0" rIns="0" tIns="0" bIns="0">
+          <a:bodyPr lIns="0" tIns="0" rIns="0" bIns="0">
             <a:normAutofit/>
           </a:bodyPr>
-          <a:p>
-            <a:endParaRPr b="0" lang="en-US" sz="2000" spc="-1" strike="noStrike">
+          <a:lstStyle/>
+          <a:p>
+            <a:endParaRPr lang="en-US" sz="2000" b="0" strike="noStrike" spc="-1">
               <a:solidFill>
                 <a:srgbClr val="404040"/>
               </a:solidFill>
@@ -2051,11 +2245,12 @@
           </a:prstGeom>
         </p:spPr>
         <p:txBody>
-          <a:bodyPr lIns="0" rIns="0" tIns="0" bIns="0">
+          <a:bodyPr lIns="0" tIns="0" rIns="0" bIns="0">
             <a:normAutofit/>
           </a:bodyPr>
-          <a:p>
-            <a:endParaRPr b="0" lang="en-US" sz="2000" spc="-1" strike="noStrike">
+          <a:lstStyle/>
+          <a:p>
+            <a:endParaRPr lang="en-US" sz="2000" b="0" strike="noStrike" spc="-1">
               <a:solidFill>
                 <a:srgbClr val="404040"/>
               </a:solidFill>
@@ -2084,11 +2279,12 @@
           </a:prstGeom>
         </p:spPr>
         <p:txBody>
-          <a:bodyPr lIns="0" rIns="0" tIns="0" bIns="0">
+          <a:bodyPr lIns="0" tIns="0" rIns="0" bIns="0">
             <a:normAutofit/>
           </a:bodyPr>
-          <a:p>
-            <a:endParaRPr b="0" lang="en-US" sz="2000" spc="-1" strike="noStrike">
+          <a:lstStyle/>
+          <a:p>
+            <a:endParaRPr lang="en-US" sz="2000" b="0" strike="noStrike" spc="-1">
               <a:solidFill>
                 <a:srgbClr val="404040"/>
               </a:solidFill>
@@ -2099,11 +2295,14 @@
       </p:sp>
     </p:spTree>
   </p:cSld>
+  <p:clrMapOvr>
+    <a:masterClrMapping/>
+  </p:clrMapOvr>
 </p:sldLayout>
 </file>
 
 <file path=ppt/slideLayouts/slideLayout3.xml><?xml version="1.0" encoding="utf-8"?>
-<p:sldLayout xmlns:a="http://schemas.openxmlformats.org/drawingml/2006/main" xmlns:p="http://schemas.openxmlformats.org/presentationml/2006/main" xmlns:r="http://schemas.openxmlformats.org/officeDocument/2006/relationships" xmlns:p14="http://schemas.microsoft.com/office/powerpoint/2010/main" xmlns:p15="http://schemas.microsoft.com/office/powerpoint/2012/main" xmlns:mc="http://schemas.openxmlformats.org/markup-compatibility/2006" type="obj" preserve="1">
+<p:sldLayout xmlns:a="http://schemas.openxmlformats.org/drawingml/2006/main" xmlns:r="http://schemas.openxmlformats.org/officeDocument/2006/relationships" xmlns:p="http://schemas.openxmlformats.org/presentationml/2006/main" type="obj" preserve="1">
   <p:cSld name="Title, Content">
     <p:spTree>
       <p:nvGrpSpPr>
@@ -2139,9 +2338,10 @@
           </a:prstGeom>
         </p:spPr>
         <p:txBody>
-          <a:bodyPr lIns="0" rIns="0" tIns="0" bIns="0" anchor="ctr"/>
-          <a:p>
-            <a:endParaRPr b="0" lang="en-US" sz="1800" spc="-1" strike="noStrike">
+          <a:bodyPr lIns="0" tIns="0" rIns="0" bIns="0" anchor="ctr"/>
+          <a:lstStyle/>
+          <a:p>
+            <a:endParaRPr lang="en-US" sz="1800" b="0" strike="noStrike" spc="-1">
               <a:solidFill>
                 <a:srgbClr val="000000"/>
               </a:solidFill>
@@ -2170,11 +2370,12 @@
           </a:prstGeom>
         </p:spPr>
         <p:txBody>
-          <a:bodyPr lIns="0" rIns="0" tIns="0" bIns="0">
+          <a:bodyPr lIns="0" tIns="0" rIns="0" bIns="0">
             <a:normAutofit/>
           </a:bodyPr>
-          <a:p>
-            <a:endParaRPr b="0" lang="en-US" sz="2000" spc="-1" strike="noStrike">
+          <a:lstStyle/>
+          <a:p>
+            <a:endParaRPr lang="en-US" sz="2000" b="0" strike="noStrike" spc="-1">
               <a:solidFill>
                 <a:srgbClr val="404040"/>
               </a:solidFill>
@@ -2185,11 +2386,14 @@
       </p:sp>
     </p:spTree>
   </p:cSld>
+  <p:clrMapOvr>
+    <a:masterClrMapping/>
+  </p:clrMapOvr>
 </p:sldLayout>
 </file>
 
 <file path=ppt/slideLayouts/slideLayout4.xml><?xml version="1.0" encoding="utf-8"?>
-<p:sldLayout xmlns:a="http://schemas.openxmlformats.org/drawingml/2006/main" xmlns:p="http://schemas.openxmlformats.org/presentationml/2006/main" xmlns:r="http://schemas.openxmlformats.org/officeDocument/2006/relationships" xmlns:p14="http://schemas.microsoft.com/office/powerpoint/2010/main" xmlns:p15="http://schemas.microsoft.com/office/powerpoint/2012/main" xmlns:mc="http://schemas.openxmlformats.org/markup-compatibility/2006" type="twoObj" preserve="1">
+<p:sldLayout xmlns:a="http://schemas.openxmlformats.org/drawingml/2006/main" xmlns:r="http://schemas.openxmlformats.org/officeDocument/2006/relationships" xmlns:p="http://schemas.openxmlformats.org/presentationml/2006/main" type="twoObj" preserve="1">
   <p:cSld name="Title, 2 Content">
     <p:spTree>
       <p:nvGrpSpPr>
@@ -2225,9 +2429,10 @@
           </a:prstGeom>
         </p:spPr>
         <p:txBody>
-          <a:bodyPr lIns="0" rIns="0" tIns="0" bIns="0" anchor="ctr"/>
-          <a:p>
-            <a:endParaRPr b="0" lang="en-US" sz="1800" spc="-1" strike="noStrike">
+          <a:bodyPr lIns="0" tIns="0" rIns="0" bIns="0" anchor="ctr"/>
+          <a:lstStyle/>
+          <a:p>
+            <a:endParaRPr lang="en-US" sz="1800" b="0" strike="noStrike" spc="-1">
               <a:solidFill>
                 <a:srgbClr val="000000"/>
               </a:solidFill>
@@ -2256,11 +2461,12 @@
           </a:prstGeom>
         </p:spPr>
         <p:txBody>
-          <a:bodyPr lIns="0" rIns="0" tIns="0" bIns="0">
+          <a:bodyPr lIns="0" tIns="0" rIns="0" bIns="0">
             <a:normAutofit/>
           </a:bodyPr>
-          <a:p>
-            <a:endParaRPr b="0" lang="en-US" sz="2000" spc="-1" strike="noStrike">
+          <a:lstStyle/>
+          <a:p>
+            <a:endParaRPr lang="en-US" sz="2000" b="0" strike="noStrike" spc="-1">
               <a:solidFill>
                 <a:srgbClr val="404040"/>
               </a:solidFill>
@@ -2289,11 +2495,12 @@
           </a:prstGeom>
         </p:spPr>
         <p:txBody>
-          <a:bodyPr lIns="0" rIns="0" tIns="0" bIns="0">
+          <a:bodyPr lIns="0" tIns="0" rIns="0" bIns="0">
             <a:normAutofit/>
           </a:bodyPr>
-          <a:p>
-            <a:endParaRPr b="0" lang="en-US" sz="2000" spc="-1" strike="noStrike">
+          <a:lstStyle/>
+          <a:p>
+            <a:endParaRPr lang="en-US" sz="2000" b="0" strike="noStrike" spc="-1">
               <a:solidFill>
                 <a:srgbClr val="404040"/>
               </a:solidFill>
@@ -2304,11 +2511,14 @@
       </p:sp>
     </p:spTree>
   </p:cSld>
+  <p:clrMapOvr>
+    <a:masterClrMapping/>
+  </p:clrMapOvr>
 </p:sldLayout>
 </file>
 
 <file path=ppt/slideLayouts/slideLayout5.xml><?xml version="1.0" encoding="utf-8"?>
-<p:sldLayout xmlns:a="http://schemas.openxmlformats.org/drawingml/2006/main" xmlns:p="http://schemas.openxmlformats.org/presentationml/2006/main" xmlns:r="http://schemas.openxmlformats.org/officeDocument/2006/relationships" xmlns:p14="http://schemas.microsoft.com/office/powerpoint/2010/main" xmlns:p15="http://schemas.microsoft.com/office/powerpoint/2012/main" xmlns:mc="http://schemas.openxmlformats.org/markup-compatibility/2006" type="titleOnly" preserve="1">
+<p:sldLayout xmlns:a="http://schemas.openxmlformats.org/drawingml/2006/main" xmlns:r="http://schemas.openxmlformats.org/officeDocument/2006/relationships" xmlns:p="http://schemas.openxmlformats.org/presentationml/2006/main" type="titleOnly" preserve="1">
   <p:cSld name="Title Only">
     <p:spTree>
       <p:nvGrpSpPr>
@@ -2344,9 +2554,10 @@
           </a:prstGeom>
         </p:spPr>
         <p:txBody>
-          <a:bodyPr lIns="0" rIns="0" tIns="0" bIns="0" anchor="ctr"/>
-          <a:p>
-            <a:endParaRPr b="0" lang="en-US" sz="1800" spc="-1" strike="noStrike">
+          <a:bodyPr lIns="0" tIns="0" rIns="0" bIns="0" anchor="ctr"/>
+          <a:lstStyle/>
+          <a:p>
+            <a:endParaRPr lang="en-US" sz="1800" b="0" strike="noStrike" spc="-1">
               <a:solidFill>
                 <a:srgbClr val="000000"/>
               </a:solidFill>
@@ -2357,11 +2568,14 @@
       </p:sp>
     </p:spTree>
   </p:cSld>
+  <p:clrMapOvr>
+    <a:masterClrMapping/>
+  </p:clrMapOvr>
 </p:sldLayout>
 </file>
 
 <file path=ppt/slideLayouts/slideLayout6.xml><?xml version="1.0" encoding="utf-8"?>
-<p:sldLayout xmlns:a="http://schemas.openxmlformats.org/drawingml/2006/main" xmlns:p="http://schemas.openxmlformats.org/presentationml/2006/main" xmlns:r="http://schemas.openxmlformats.org/officeDocument/2006/relationships" xmlns:p14="http://schemas.microsoft.com/office/powerpoint/2010/main" xmlns:p15="http://schemas.microsoft.com/office/powerpoint/2012/main" xmlns:mc="http://schemas.openxmlformats.org/markup-compatibility/2006" type="objOnly" preserve="1">
+<p:sldLayout xmlns:a="http://schemas.openxmlformats.org/drawingml/2006/main" xmlns:r="http://schemas.openxmlformats.org/officeDocument/2006/relationships" xmlns:p="http://schemas.openxmlformats.org/presentationml/2006/main" type="objOnly" preserve="1">
   <p:cSld name="Centered Text">
     <p:spTree>
       <p:nvGrpSpPr>
@@ -2397,10 +2611,11 @@
           </a:prstGeom>
         </p:spPr>
         <p:txBody>
-          <a:bodyPr lIns="0" rIns="0" tIns="0" bIns="0" anchor="ctr"/>
+          <a:bodyPr lIns="0" tIns="0" rIns="0" bIns="0" anchor="ctr"/>
+          <a:lstStyle/>
           <a:p>
             <a:pPr algn="ctr"/>
-            <a:endParaRPr b="0" lang="en-US" sz="3200" spc="-1" strike="noStrike">
+            <a:endParaRPr lang="en-US" sz="3200" b="0" strike="noStrike" spc="-1">
               <a:latin typeface="Arial"/>
             </a:endParaRPr>
           </a:p>
@@ -2408,11 +2623,14 @@
       </p:sp>
     </p:spTree>
   </p:cSld>
+  <p:clrMapOvr>
+    <a:masterClrMapping/>
+  </p:clrMapOvr>
 </p:sldLayout>
 </file>
 
 <file path=ppt/slideLayouts/slideLayout7.xml><?xml version="1.0" encoding="utf-8"?>
-<p:sldLayout xmlns:a="http://schemas.openxmlformats.org/drawingml/2006/main" xmlns:p="http://schemas.openxmlformats.org/presentationml/2006/main" xmlns:r="http://schemas.openxmlformats.org/officeDocument/2006/relationships" xmlns:p14="http://schemas.microsoft.com/office/powerpoint/2010/main" xmlns:p15="http://schemas.microsoft.com/office/powerpoint/2012/main" xmlns:mc="http://schemas.openxmlformats.org/markup-compatibility/2006" type="twoObjAndObj" preserve="1">
+<p:sldLayout xmlns:a="http://schemas.openxmlformats.org/drawingml/2006/main" xmlns:r="http://schemas.openxmlformats.org/officeDocument/2006/relationships" xmlns:p="http://schemas.openxmlformats.org/presentationml/2006/main" type="twoObjAndObj" preserve="1">
   <p:cSld name="Title, 2 Content and Content">
     <p:spTree>
       <p:nvGrpSpPr>
@@ -2448,9 +2666,10 @@
           </a:prstGeom>
         </p:spPr>
         <p:txBody>
-          <a:bodyPr lIns="0" rIns="0" tIns="0" bIns="0" anchor="ctr"/>
-          <a:p>
-            <a:endParaRPr b="0" lang="en-US" sz="1800" spc="-1" strike="noStrike">
+          <a:bodyPr lIns="0" tIns="0" rIns="0" bIns="0" anchor="ctr"/>
+          <a:lstStyle/>
+          <a:p>
+            <a:endParaRPr lang="en-US" sz="1800" b="0" strike="noStrike" spc="-1">
               <a:solidFill>
                 <a:srgbClr val="000000"/>
               </a:solidFill>
@@ -2479,11 +2698,12 @@
           </a:prstGeom>
         </p:spPr>
         <p:txBody>
-          <a:bodyPr lIns="0" rIns="0" tIns="0" bIns="0">
+          <a:bodyPr lIns="0" tIns="0" rIns="0" bIns="0">
             <a:normAutofit/>
           </a:bodyPr>
-          <a:p>
-            <a:endParaRPr b="0" lang="en-US" sz="2000" spc="-1" strike="noStrike">
+          <a:lstStyle/>
+          <a:p>
+            <a:endParaRPr lang="en-US" sz="2000" b="0" strike="noStrike" spc="-1">
               <a:solidFill>
                 <a:srgbClr val="404040"/>
               </a:solidFill>
@@ -2512,11 +2732,12 @@
           </a:prstGeom>
         </p:spPr>
         <p:txBody>
-          <a:bodyPr lIns="0" rIns="0" tIns="0" bIns="0">
+          <a:bodyPr lIns="0" tIns="0" rIns="0" bIns="0">
             <a:normAutofit/>
           </a:bodyPr>
-          <a:p>
-            <a:endParaRPr b="0" lang="en-US" sz="2000" spc="-1" strike="noStrike">
+          <a:lstStyle/>
+          <a:p>
+            <a:endParaRPr lang="en-US" sz="2000" b="0" strike="noStrike" spc="-1">
               <a:solidFill>
                 <a:srgbClr val="404040"/>
               </a:solidFill>
@@ -2545,11 +2766,12 @@
           </a:prstGeom>
         </p:spPr>
         <p:txBody>
-          <a:bodyPr lIns="0" rIns="0" tIns="0" bIns="0">
+          <a:bodyPr lIns="0" tIns="0" rIns="0" bIns="0">
             <a:normAutofit/>
           </a:bodyPr>
-          <a:p>
-            <a:endParaRPr b="0" lang="en-US" sz="2000" spc="-1" strike="noStrike">
+          <a:lstStyle/>
+          <a:p>
+            <a:endParaRPr lang="en-US" sz="2000" b="0" strike="noStrike" spc="-1">
               <a:solidFill>
                 <a:srgbClr val="404040"/>
               </a:solidFill>
@@ -2560,11 +2782,14 @@
       </p:sp>
     </p:spTree>
   </p:cSld>
+  <p:clrMapOvr>
+    <a:masterClrMapping/>
+  </p:clrMapOvr>
 </p:sldLayout>
 </file>
 
 <file path=ppt/slideLayouts/slideLayout8.xml><?xml version="1.0" encoding="utf-8"?>
-<p:sldLayout xmlns:a="http://schemas.openxmlformats.org/drawingml/2006/main" xmlns:p="http://schemas.openxmlformats.org/presentationml/2006/main" xmlns:r="http://schemas.openxmlformats.org/officeDocument/2006/relationships" xmlns:p14="http://schemas.microsoft.com/office/powerpoint/2010/main" xmlns:p15="http://schemas.microsoft.com/office/powerpoint/2012/main" xmlns:mc="http://schemas.openxmlformats.org/markup-compatibility/2006" type="objAndTwoObj" preserve="1">
+<p:sldLayout xmlns:a="http://schemas.openxmlformats.org/drawingml/2006/main" xmlns:r="http://schemas.openxmlformats.org/officeDocument/2006/relationships" xmlns:p="http://schemas.openxmlformats.org/presentationml/2006/main" type="objAndTwoObj" preserve="1">
   <p:cSld name="Title Content and 2 Content">
     <p:spTree>
       <p:nvGrpSpPr>
@@ -2600,9 +2825,10 @@
           </a:prstGeom>
         </p:spPr>
         <p:txBody>
-          <a:bodyPr lIns="0" rIns="0" tIns="0" bIns="0" anchor="ctr"/>
-          <a:p>
-            <a:endParaRPr b="0" lang="en-US" sz="1800" spc="-1" strike="noStrike">
+          <a:bodyPr lIns="0" tIns="0" rIns="0" bIns="0" anchor="ctr"/>
+          <a:lstStyle/>
+          <a:p>
+            <a:endParaRPr lang="en-US" sz="1800" b="0" strike="noStrike" spc="-1">
               <a:solidFill>
                 <a:srgbClr val="000000"/>
               </a:solidFill>
@@ -2631,11 +2857,12 @@
           </a:prstGeom>
         </p:spPr>
         <p:txBody>
-          <a:bodyPr lIns="0" rIns="0" tIns="0" bIns="0">
+          <a:bodyPr lIns="0" tIns="0" rIns="0" bIns="0">
             <a:normAutofit/>
           </a:bodyPr>
-          <a:p>
-            <a:endParaRPr b="0" lang="en-US" sz="2000" spc="-1" strike="noStrike">
+          <a:lstStyle/>
+          <a:p>
+            <a:endParaRPr lang="en-US" sz="2000" b="0" strike="noStrike" spc="-1">
               <a:solidFill>
                 <a:srgbClr val="404040"/>
               </a:solidFill>
@@ -2664,11 +2891,12 @@
           </a:prstGeom>
         </p:spPr>
         <p:txBody>
-          <a:bodyPr lIns="0" rIns="0" tIns="0" bIns="0">
+          <a:bodyPr lIns="0" tIns="0" rIns="0" bIns="0">
             <a:normAutofit/>
           </a:bodyPr>
-          <a:p>
-            <a:endParaRPr b="0" lang="en-US" sz="2000" spc="-1" strike="noStrike">
+          <a:lstStyle/>
+          <a:p>
+            <a:endParaRPr lang="en-US" sz="2000" b="0" strike="noStrike" spc="-1">
               <a:solidFill>
                 <a:srgbClr val="404040"/>
               </a:solidFill>
@@ -2697,11 +2925,12 @@
           </a:prstGeom>
         </p:spPr>
         <p:txBody>
-          <a:bodyPr lIns="0" rIns="0" tIns="0" bIns="0">
+          <a:bodyPr lIns="0" tIns="0" rIns="0" bIns="0">
             <a:normAutofit/>
           </a:bodyPr>
-          <a:p>
-            <a:endParaRPr b="0" lang="en-US" sz="2000" spc="-1" strike="noStrike">
+          <a:lstStyle/>
+          <a:p>
+            <a:endParaRPr lang="en-US" sz="2000" b="0" strike="noStrike" spc="-1">
               <a:solidFill>
                 <a:srgbClr val="404040"/>
               </a:solidFill>
@@ -2712,11 +2941,14 @@
       </p:sp>
     </p:spTree>
   </p:cSld>
+  <p:clrMapOvr>
+    <a:masterClrMapping/>
+  </p:clrMapOvr>
 </p:sldLayout>
 </file>
 
 <file path=ppt/slideLayouts/slideLayout9.xml><?xml version="1.0" encoding="utf-8"?>
-<p:sldLayout xmlns:a="http://schemas.openxmlformats.org/drawingml/2006/main" xmlns:p="http://schemas.openxmlformats.org/presentationml/2006/main" xmlns:r="http://schemas.openxmlformats.org/officeDocument/2006/relationships" xmlns:p14="http://schemas.microsoft.com/office/powerpoint/2010/main" xmlns:p15="http://schemas.microsoft.com/office/powerpoint/2012/main" xmlns:mc="http://schemas.openxmlformats.org/markup-compatibility/2006" type="twoObjOverTx" preserve="1">
+<p:sldLayout xmlns:a="http://schemas.openxmlformats.org/drawingml/2006/main" xmlns:r="http://schemas.openxmlformats.org/officeDocument/2006/relationships" xmlns:p="http://schemas.openxmlformats.org/presentationml/2006/main" type="twoObjOverTx" preserve="1">
   <p:cSld name="Title, 2 Content over Content">
     <p:spTree>
       <p:nvGrpSpPr>
@@ -2752,9 +2984,10 @@
           </a:prstGeom>
         </p:spPr>
         <p:txBody>
-          <a:bodyPr lIns="0" rIns="0" tIns="0" bIns="0" anchor="ctr"/>
-          <a:p>
-            <a:endParaRPr b="0" lang="en-US" sz="1800" spc="-1" strike="noStrike">
+          <a:bodyPr lIns="0" tIns="0" rIns="0" bIns="0" anchor="ctr"/>
+          <a:lstStyle/>
+          <a:p>
+            <a:endParaRPr lang="en-US" sz="1800" b="0" strike="noStrike" spc="-1">
               <a:solidFill>
                 <a:srgbClr val="000000"/>
               </a:solidFill>
@@ -2783,11 +3016,12 @@
           </a:prstGeom>
         </p:spPr>
         <p:txBody>
-          <a:bodyPr lIns="0" rIns="0" tIns="0" bIns="0">
+          <a:bodyPr lIns="0" tIns="0" rIns="0" bIns="0">
             <a:normAutofit/>
           </a:bodyPr>
-          <a:p>
-            <a:endParaRPr b="0" lang="en-US" sz="2000" spc="-1" strike="noStrike">
+          <a:lstStyle/>
+          <a:p>
+            <a:endParaRPr lang="en-US" sz="2000" b="0" strike="noStrike" spc="-1">
               <a:solidFill>
                 <a:srgbClr val="404040"/>
               </a:solidFill>
@@ -2816,11 +3050,12 @@
           </a:prstGeom>
         </p:spPr>
         <p:txBody>
-          <a:bodyPr lIns="0" rIns="0" tIns="0" bIns="0">
+          <a:bodyPr lIns="0" tIns="0" rIns="0" bIns="0">
             <a:normAutofit/>
           </a:bodyPr>
-          <a:p>
-            <a:endParaRPr b="0" lang="en-US" sz="2000" spc="-1" strike="noStrike">
+          <a:lstStyle/>
+          <a:p>
+            <a:endParaRPr lang="en-US" sz="2000" b="0" strike="noStrike" spc="-1">
               <a:solidFill>
                 <a:srgbClr val="404040"/>
               </a:solidFill>
@@ -2849,11 +3084,12 @@
           </a:prstGeom>
         </p:spPr>
         <p:txBody>
-          <a:bodyPr lIns="0" rIns="0" tIns="0" bIns="0">
+          <a:bodyPr lIns="0" tIns="0" rIns="0" bIns="0">
             <a:normAutofit/>
           </a:bodyPr>
-          <a:p>
-            <a:endParaRPr b="0" lang="en-US" sz="2000" spc="-1" strike="noStrike">
+          <a:lstStyle/>
+          <a:p>
+            <a:endParaRPr lang="en-US" sz="2000" b="0" strike="noStrike" spc="-1">
               <a:solidFill>
                 <a:srgbClr val="404040"/>
               </a:solidFill>
@@ -2864,17 +3100,21 @@
       </p:sp>
     </p:spTree>
   </p:cSld>
+  <p:clrMapOvr>
+    <a:masterClrMapping/>
+  </p:clrMapOvr>
 </p:sldLayout>
 </file>
 
 <file path=ppt/slideMasters/slideMaster1.xml><?xml version="1.0" encoding="utf-8"?>
-<p:sldMaster xmlns:a="http://schemas.openxmlformats.org/drawingml/2006/main" xmlns:p="http://schemas.openxmlformats.org/presentationml/2006/main" xmlns:r="http://schemas.openxmlformats.org/officeDocument/2006/relationships" xmlns:p14="http://schemas.microsoft.com/office/powerpoint/2010/main" xmlns:p15="http://schemas.microsoft.com/office/powerpoint/2012/main" xmlns:mc="http://schemas.openxmlformats.org/markup-compatibility/2006">
+<p:sldMaster xmlns:a="http://schemas.openxmlformats.org/drawingml/2006/main" xmlns:r="http://schemas.openxmlformats.org/officeDocument/2006/relationships" xmlns:p="http://schemas.openxmlformats.org/presentationml/2006/main">
   <p:cSld>
     <p:bg>
       <p:bgPr>
         <a:solidFill>
-          <a:srgbClr val="ffffff"/>
+          <a:srgbClr val="FFFFFF"/>
         </a:solidFill>
+        <a:effectLst/>
       </p:bgPr>
     </p:bg>
     <p:spTree>
@@ -2893,7 +3133,7 @@
       </p:grpSpPr>
       <p:sp>
         <p:nvSpPr>
-          <p:cNvPr id="0" name="CustomShape 1"/>
+          <p:cNvPr id="9" name="CustomShape 1"/>
           <p:cNvSpPr/>
           <p:nvPr/>
         </p:nvSpPr>
@@ -2906,7 +3146,7 @@
             <a:avLst/>
           </a:prstGeom>
           <a:solidFill>
-            <a:srgbClr val="8a5842"/>
+            <a:srgbClr val="8A5842"/>
           </a:solidFill>
           <a:ln>
             <a:noFill/>
@@ -2929,7 +3169,7 @@
       </p:sp>
       <p:sp>
         <p:nvSpPr>
-          <p:cNvPr id="1" name="CustomShape 2"/>
+          <p:cNvPr id="10" name="CustomShape 2"/>
           <p:cNvSpPr/>
           <p:nvPr/>
         </p:nvSpPr>
@@ -2981,7 +3221,7 @@
             <a:avLst/>
           </a:prstGeom>
           <a:solidFill>
-            <a:srgbClr val="8a5842"/>
+            <a:srgbClr val="8A5842"/>
           </a:solidFill>
           <a:ln>
             <a:noFill/>
@@ -3064,6 +3304,7 @@
           <a:bodyPr anchor="b">
             <a:normAutofit/>
           </a:bodyPr>
+          <a:lstStyle/>
           <a:p>
             <a:pPr>
               <a:lnSpc>
@@ -3071,7 +3312,7 @@
               </a:lnSpc>
             </a:pPr>
             <a:r>
-              <a:rPr b="0" lang="en-US" sz="8000" spc="-49" strike="noStrike">
+              <a:rPr lang="en-US" sz="8000" b="0" strike="noStrike" spc="-49">
                 <a:solidFill>
                   <a:srgbClr val="262626"/>
                 </a:solidFill>
@@ -3079,7 +3320,7 @@
               </a:rPr>
               <a:t>Click to edit Master title style</a:t>
             </a:r>
-            <a:endParaRPr b="0" lang="en-US" sz="8000" spc="-1" strike="noStrike">
+            <a:endParaRPr lang="en-US" sz="8000" b="0" strike="noStrike" spc="-1">
               <a:solidFill>
                 <a:srgbClr val="000000"/>
               </a:solidFill>
@@ -3109,6 +3350,7 @@
         </p:spPr>
         <p:txBody>
           <a:bodyPr anchor="ctr"/>
+          <a:lstStyle/>
           <a:p>
             <a:pPr>
               <a:lnSpc>
@@ -3116,15 +3358,15 @@
               </a:lnSpc>
             </a:pPr>
             <a:fld id="{532544F5-5700-4975-AFE2-AAC6C78DC005}" type="datetime1">
-              <a:rPr b="0" lang="en-US" sz="900" spc="-1" strike="noStrike">
+              <a:rPr lang="en-US" sz="900" b="0" strike="noStrike" spc="-1">
                 <a:solidFill>
-                  <a:srgbClr val="ffffff"/>
+                  <a:srgbClr val="FFFFFF"/>
                 </a:solidFill>
                 <a:latin typeface="Calibri"/>
               </a:rPr>
-              <a:t>03/11/2019</a:t>
+              <a:t>3/11/2019</a:t>
             </a:fld>
-            <a:endParaRPr b="0" lang="en-US" sz="900" spc="-1" strike="noStrike">
+            <a:endParaRPr lang="en-US" sz="900" b="0" strike="noStrike" spc="-1">
               <a:latin typeface="Times New Roman"/>
             </a:endParaRPr>
           </a:p>
@@ -3151,8 +3393,9 @@
         </p:spPr>
         <p:txBody>
           <a:bodyPr anchor="ctr"/>
-          <a:p>
-            <a:endParaRPr b="0" lang="en-US" sz="2400" spc="-1" strike="noStrike">
+          <a:lstStyle/>
+          <a:p>
+            <a:endParaRPr lang="en-US" sz="2400" b="0" strike="noStrike" spc="-1">
               <a:latin typeface="Times New Roman"/>
             </a:endParaRPr>
           </a:p>
@@ -3179,6 +3422,7 @@
         </p:spPr>
         <p:txBody>
           <a:bodyPr anchor="ctr"/>
+          <a:lstStyle/>
           <a:p>
             <a:pPr algn="r">
               <a:lnSpc>
@@ -3186,15 +3430,15 @@
               </a:lnSpc>
             </a:pPr>
             <a:fld id="{460627FA-41F3-4368-BE66-4230FE74F69C}" type="slidenum">
-              <a:rPr b="0" lang="en-US" sz="1050" spc="-1" strike="noStrike">
+              <a:rPr lang="en-US" sz="1050" b="0" strike="noStrike" spc="-1">
                 <a:solidFill>
-                  <a:srgbClr val="ffffff"/>
+                  <a:srgbClr val="FFFFFF"/>
                 </a:solidFill>
                 <a:latin typeface="Calibri"/>
               </a:rPr>
-              <a:t>&lt;number&gt;</a:t>
+              <a:t>‹#›</a:t>
             </a:fld>
-            <a:endParaRPr b="0" lang="en-US" sz="1050" spc="-1" strike="noStrike">
+            <a:endParaRPr lang="en-US" sz="1050" b="0" strike="noStrike" spc="-1">
               <a:latin typeface="Times New Roman"/>
             </a:endParaRPr>
           </a:p>
@@ -3220,9 +3464,10 @@
           </a:prstGeom>
         </p:spPr>
         <p:txBody>
-          <a:bodyPr lIns="0" rIns="0" tIns="0" bIns="0">
+          <a:bodyPr lIns="0" tIns="0" rIns="0" bIns="0">
             <a:normAutofit/>
           </a:bodyPr>
+          <a:lstStyle/>
           <a:p>
             <a:pPr marL="432000" indent="-324000">
               <a:spcBef>
@@ -3236,7 +3481,7 @@
               <a:buChar char=""/>
             </a:pPr>
             <a:r>
-              <a:rPr b="0" lang="en-US" sz="2000" spc="-1" strike="noStrike">
+              <a:rPr lang="en-US" sz="2000" b="0" strike="noStrike" spc="-1">
                 <a:solidFill>
                   <a:srgbClr val="404040"/>
                 </a:solidFill>
@@ -3244,15 +3489,9 @@
               </a:rPr>
               <a:t>Click to edit the outline text format</a:t>
             </a:r>
-            <a:endParaRPr b="0" lang="en-US" sz="2000" spc="-1" strike="noStrike">
-              <a:solidFill>
-                <a:srgbClr val="404040"/>
-              </a:solidFill>
-              <a:latin typeface="Calibri"/>
-            </a:endParaRPr>
-          </a:p>
-          <a:p>
-            <a:pPr lvl="1" marL="864000" indent="-324000">
+          </a:p>
+          <a:p>
+            <a:pPr marL="864000" lvl="1" indent="-324000">
               <a:spcBef>
                 <a:spcPts val="1134"/>
               </a:spcBef>
@@ -3264,7 +3503,7 @@
               <a:buChar char=""/>
             </a:pPr>
             <a:r>
-              <a:rPr b="0" lang="en-US" sz="1400" spc="-1" strike="noStrike">
+              <a:rPr lang="en-US" sz="1400" b="0" strike="noStrike" spc="-1">
                 <a:solidFill>
                   <a:srgbClr val="404040"/>
                 </a:solidFill>
@@ -3272,15 +3511,9 @@
               </a:rPr>
               <a:t>Second Outline Level</a:t>
             </a:r>
-            <a:endParaRPr b="0" lang="en-US" sz="1400" spc="-1" strike="noStrike">
-              <a:solidFill>
-                <a:srgbClr val="404040"/>
-              </a:solidFill>
-              <a:latin typeface="Calibri"/>
-            </a:endParaRPr>
-          </a:p>
-          <a:p>
-            <a:pPr lvl="2" marL="1296000" indent="-288000">
+          </a:p>
+          <a:p>
+            <a:pPr marL="1296000" lvl="2" indent="-288000">
               <a:spcBef>
                 <a:spcPts val="850"/>
               </a:spcBef>
@@ -3292,7 +3525,7 @@
               <a:buChar char=""/>
             </a:pPr>
             <a:r>
-              <a:rPr b="0" lang="en-US" sz="1400" spc="-1" strike="noStrike">
+              <a:rPr lang="en-US" sz="1400" b="0" strike="noStrike" spc="-1">
                 <a:solidFill>
                   <a:srgbClr val="404040"/>
                 </a:solidFill>
@@ -3300,15 +3533,9 @@
               </a:rPr>
               <a:t>Third Outline Level</a:t>
             </a:r>
-            <a:endParaRPr b="0" lang="en-US" sz="1400" spc="-1" strike="noStrike">
-              <a:solidFill>
-                <a:srgbClr val="404040"/>
-              </a:solidFill>
-              <a:latin typeface="Calibri"/>
-            </a:endParaRPr>
-          </a:p>
-          <a:p>
-            <a:pPr lvl="3" marL="1728000" indent="-216000">
+          </a:p>
+          <a:p>
+            <a:pPr marL="1728000" lvl="3" indent="-216000">
               <a:spcBef>
                 <a:spcPts val="567"/>
               </a:spcBef>
@@ -3320,7 +3547,7 @@
               <a:buChar char=""/>
             </a:pPr>
             <a:r>
-              <a:rPr b="0" lang="en-US" sz="1400" spc="-1" strike="noStrike">
+              <a:rPr lang="en-US" sz="1400" b="0" strike="noStrike" spc="-1">
                 <a:solidFill>
                   <a:srgbClr val="404040"/>
                 </a:solidFill>
@@ -3328,15 +3555,9 @@
               </a:rPr>
               <a:t>Fourth Outline Level</a:t>
             </a:r>
-            <a:endParaRPr b="0" lang="en-US" sz="1400" spc="-1" strike="noStrike">
-              <a:solidFill>
-                <a:srgbClr val="404040"/>
-              </a:solidFill>
-              <a:latin typeface="Calibri"/>
-            </a:endParaRPr>
-          </a:p>
-          <a:p>
-            <a:pPr lvl="4" marL="2160000" indent="-216000">
+          </a:p>
+          <a:p>
+            <a:pPr marL="2160000" lvl="4" indent="-216000">
               <a:spcBef>
                 <a:spcPts val="283"/>
               </a:spcBef>
@@ -3348,7 +3569,7 @@
               <a:buChar char=""/>
             </a:pPr>
             <a:r>
-              <a:rPr b="0" lang="en-US" sz="2000" spc="-1" strike="noStrike">
+              <a:rPr lang="en-US" sz="2000" b="0" strike="noStrike" spc="-1">
                 <a:solidFill>
                   <a:srgbClr val="404040"/>
                 </a:solidFill>
@@ -3356,15 +3577,9 @@
               </a:rPr>
               <a:t>Fifth Outline Level</a:t>
             </a:r>
-            <a:endParaRPr b="0" lang="en-US" sz="2000" spc="-1" strike="noStrike">
-              <a:solidFill>
-                <a:srgbClr val="404040"/>
-              </a:solidFill>
-              <a:latin typeface="Calibri"/>
-            </a:endParaRPr>
-          </a:p>
-          <a:p>
-            <a:pPr lvl="5" marL="2592000" indent="-216000">
+          </a:p>
+          <a:p>
+            <a:pPr marL="2592000" lvl="5" indent="-216000">
               <a:spcBef>
                 <a:spcPts val="283"/>
               </a:spcBef>
@@ -3376,7 +3591,7 @@
               <a:buChar char=""/>
             </a:pPr>
             <a:r>
-              <a:rPr b="0" lang="en-US" sz="2000" spc="-1" strike="noStrike">
+              <a:rPr lang="en-US" sz="2000" b="0" strike="noStrike" spc="-1">
                 <a:solidFill>
                   <a:srgbClr val="404040"/>
                 </a:solidFill>
@@ -3384,15 +3599,9 @@
               </a:rPr>
               <a:t>Sixth Outline Level</a:t>
             </a:r>
-            <a:endParaRPr b="0" lang="en-US" sz="2000" spc="-1" strike="noStrike">
-              <a:solidFill>
-                <a:srgbClr val="404040"/>
-              </a:solidFill>
-              <a:latin typeface="Calibri"/>
-            </a:endParaRPr>
-          </a:p>
-          <a:p>
-            <a:pPr lvl="6" marL="3024000" indent="-216000">
+          </a:p>
+          <a:p>
+            <a:pPr marL="3024000" lvl="6" indent="-216000">
               <a:spcBef>
                 <a:spcPts val="283"/>
               </a:spcBef>
@@ -3404,7 +3613,7 @@
               <a:buChar char=""/>
             </a:pPr>
             <a:r>
-              <a:rPr b="0" lang="en-US" sz="2000" spc="-1" strike="noStrike">
+              <a:rPr lang="en-US" sz="2000" b="0" strike="noStrike" spc="-1">
                 <a:solidFill>
                   <a:srgbClr val="404040"/>
                 </a:solidFill>
@@ -3412,43 +3621,318 @@
               </a:rPr>
               <a:t>Seventh Outline Level</a:t>
             </a:r>
-            <a:endParaRPr b="0" lang="en-US" sz="2000" spc="-1" strike="noStrike">
-              <a:solidFill>
-                <a:srgbClr val="404040"/>
-              </a:solidFill>
-              <a:latin typeface="Calibri"/>
-            </a:endParaRPr>
           </a:p>
         </p:txBody>
       </p:sp>
     </p:spTree>
   </p:cSld>
-  <p:clrMap bg1="lt1" bg2="lt2" tx1="dk1" tx2="dk2" accent1="accent1" accent2="accent2" accent3="accent3" accent4="accent4" accent5="accent5" accent6="accent6" hlink="hlink" folHlink="folHlink"/>
+  <p:clrMap bg1="lt1" tx1="dk1" bg2="lt2" tx2="dk2" accent1="accent1" accent2="accent2" accent3="accent3" accent4="accent4" accent5="accent5" accent6="accent6" hlink="hlink" folHlink="folHlink"/>
   <p:sldLayoutIdLst>
-    <p:sldLayoutId id="2147483649" r:id="rId2"/>
-    <p:sldLayoutId id="2147483650" r:id="rId3"/>
-    <p:sldLayoutId id="2147483651" r:id="rId4"/>
-    <p:sldLayoutId id="2147483652" r:id="rId5"/>
-    <p:sldLayoutId id="2147483653" r:id="rId6"/>
-    <p:sldLayoutId id="2147483654" r:id="rId7"/>
-    <p:sldLayoutId id="2147483655" r:id="rId8"/>
-    <p:sldLayoutId id="2147483656" r:id="rId9"/>
-    <p:sldLayoutId id="2147483657" r:id="rId10"/>
-    <p:sldLayoutId id="2147483658" r:id="rId11"/>
-    <p:sldLayoutId id="2147483659" r:id="rId12"/>
-    <p:sldLayoutId id="2147483660" r:id="rId13"/>
+    <p:sldLayoutId id="2147483649" r:id="rId1"/>
+    <p:sldLayoutId id="2147483650" r:id="rId2"/>
+    <p:sldLayoutId id="2147483651" r:id="rId3"/>
+    <p:sldLayoutId id="2147483652" r:id="rId4"/>
+    <p:sldLayoutId id="2147483653" r:id="rId5"/>
+    <p:sldLayoutId id="2147483654" r:id="rId6"/>
+    <p:sldLayoutId id="2147483655" r:id="rId7"/>
+    <p:sldLayoutId id="2147483656" r:id="rId8"/>
+    <p:sldLayoutId id="2147483657" r:id="rId9"/>
+    <p:sldLayoutId id="2147483658" r:id="rId10"/>
+    <p:sldLayoutId id="2147483659" r:id="rId11"/>
+    <p:sldLayoutId id="2147483660" r:id="rId12"/>
   </p:sldLayoutIdLst>
+  <p:txStyles>
+    <p:titleStyle>
+      <a:lvl1pPr algn="l" defTabSz="914400" rtl="0" eaLnBrk="1" latinLnBrk="0" hangingPunct="1">
+        <a:lnSpc>
+          <a:spcPct val="90000"/>
+        </a:lnSpc>
+        <a:spcBef>
+          <a:spcPct val="0"/>
+        </a:spcBef>
+        <a:buNone/>
+        <a:defRPr sz="4400" kern="1200">
+          <a:solidFill>
+            <a:schemeClr val="tx1"/>
+          </a:solidFill>
+          <a:latin typeface="+mj-lt"/>
+          <a:ea typeface="+mj-ea"/>
+          <a:cs typeface="+mj-cs"/>
+        </a:defRPr>
+      </a:lvl1pPr>
+    </p:titleStyle>
+    <p:bodyStyle>
+      <a:lvl1pPr marL="228600" indent="-228600" algn="l" defTabSz="914400" rtl="0" eaLnBrk="1" latinLnBrk="0" hangingPunct="1">
+        <a:lnSpc>
+          <a:spcPct val="90000"/>
+        </a:lnSpc>
+        <a:spcBef>
+          <a:spcPts val="1000"/>
+        </a:spcBef>
+        <a:buFont typeface="Arial" panose="020B0604020202020204" pitchFamily="34" charset="0"/>
+        <a:buChar char="•"/>
+        <a:defRPr sz="2800" kern="1200">
+          <a:solidFill>
+            <a:schemeClr val="tx1"/>
+          </a:solidFill>
+          <a:latin typeface="+mn-lt"/>
+          <a:ea typeface="+mn-ea"/>
+          <a:cs typeface="+mn-cs"/>
+        </a:defRPr>
+      </a:lvl1pPr>
+      <a:lvl2pPr marL="685800" indent="-228600" algn="l" defTabSz="914400" rtl="0" eaLnBrk="1" latinLnBrk="0" hangingPunct="1">
+        <a:lnSpc>
+          <a:spcPct val="90000"/>
+        </a:lnSpc>
+        <a:spcBef>
+          <a:spcPts val="500"/>
+        </a:spcBef>
+        <a:buFont typeface="Arial" panose="020B0604020202020204" pitchFamily="34" charset="0"/>
+        <a:buChar char="•"/>
+        <a:defRPr sz="2400" kern="1200">
+          <a:solidFill>
+            <a:schemeClr val="tx1"/>
+          </a:solidFill>
+          <a:latin typeface="+mn-lt"/>
+          <a:ea typeface="+mn-ea"/>
+          <a:cs typeface="+mn-cs"/>
+        </a:defRPr>
+      </a:lvl2pPr>
+      <a:lvl3pPr marL="1143000" indent="-228600" algn="l" defTabSz="914400" rtl="0" eaLnBrk="1" latinLnBrk="0" hangingPunct="1">
+        <a:lnSpc>
+          <a:spcPct val="90000"/>
+        </a:lnSpc>
+        <a:spcBef>
+          <a:spcPts val="500"/>
+        </a:spcBef>
+        <a:buFont typeface="Arial" panose="020B0604020202020204" pitchFamily="34" charset="0"/>
+        <a:buChar char="•"/>
+        <a:defRPr sz="2000" kern="1200">
+          <a:solidFill>
+            <a:schemeClr val="tx1"/>
+          </a:solidFill>
+          <a:latin typeface="+mn-lt"/>
+          <a:ea typeface="+mn-ea"/>
+          <a:cs typeface="+mn-cs"/>
+        </a:defRPr>
+      </a:lvl3pPr>
+      <a:lvl4pPr marL="1600200" indent="-228600" algn="l" defTabSz="914400" rtl="0" eaLnBrk="1" latinLnBrk="0" hangingPunct="1">
+        <a:lnSpc>
+          <a:spcPct val="90000"/>
+        </a:lnSpc>
+        <a:spcBef>
+          <a:spcPts val="500"/>
+        </a:spcBef>
+        <a:buFont typeface="Arial" panose="020B0604020202020204" pitchFamily="34" charset="0"/>
+        <a:buChar char="•"/>
+        <a:defRPr sz="1800" kern="1200">
+          <a:solidFill>
+            <a:schemeClr val="tx1"/>
+          </a:solidFill>
+          <a:latin typeface="+mn-lt"/>
+          <a:ea typeface="+mn-ea"/>
+          <a:cs typeface="+mn-cs"/>
+        </a:defRPr>
+      </a:lvl4pPr>
+      <a:lvl5pPr marL="2057400" indent="-228600" algn="l" defTabSz="914400" rtl="0" eaLnBrk="1" latinLnBrk="0" hangingPunct="1">
+        <a:lnSpc>
+          <a:spcPct val="90000"/>
+        </a:lnSpc>
+        <a:spcBef>
+          <a:spcPts val="500"/>
+        </a:spcBef>
+        <a:buFont typeface="Arial" panose="020B0604020202020204" pitchFamily="34" charset="0"/>
+        <a:buChar char="•"/>
+        <a:defRPr sz="1800" kern="1200">
+          <a:solidFill>
+            <a:schemeClr val="tx1"/>
+          </a:solidFill>
+          <a:latin typeface="+mn-lt"/>
+          <a:ea typeface="+mn-ea"/>
+          <a:cs typeface="+mn-cs"/>
+        </a:defRPr>
+      </a:lvl5pPr>
+      <a:lvl6pPr marL="2514600" indent="-228600" algn="l" defTabSz="914400" rtl="0" eaLnBrk="1" latinLnBrk="0" hangingPunct="1">
+        <a:lnSpc>
+          <a:spcPct val="90000"/>
+        </a:lnSpc>
+        <a:spcBef>
+          <a:spcPts val="500"/>
+        </a:spcBef>
+        <a:buFont typeface="Arial" panose="020B0604020202020204" pitchFamily="34" charset="0"/>
+        <a:buChar char="•"/>
+        <a:defRPr sz="1800" kern="1200">
+          <a:solidFill>
+            <a:schemeClr val="tx1"/>
+          </a:solidFill>
+          <a:latin typeface="+mn-lt"/>
+          <a:ea typeface="+mn-ea"/>
+          <a:cs typeface="+mn-cs"/>
+        </a:defRPr>
+      </a:lvl6pPr>
+      <a:lvl7pPr marL="2971800" indent="-228600" algn="l" defTabSz="914400" rtl="0" eaLnBrk="1" latinLnBrk="0" hangingPunct="1">
+        <a:lnSpc>
+          <a:spcPct val="90000"/>
+        </a:lnSpc>
+        <a:spcBef>
+          <a:spcPts val="500"/>
+        </a:spcBef>
+        <a:buFont typeface="Arial" panose="020B0604020202020204" pitchFamily="34" charset="0"/>
+        <a:buChar char="•"/>
+        <a:defRPr sz="1800" kern="1200">
+          <a:solidFill>
+            <a:schemeClr val="tx1"/>
+          </a:solidFill>
+          <a:latin typeface="+mn-lt"/>
+          <a:ea typeface="+mn-ea"/>
+          <a:cs typeface="+mn-cs"/>
+        </a:defRPr>
+      </a:lvl7pPr>
+      <a:lvl8pPr marL="3429000" indent="-228600" algn="l" defTabSz="914400" rtl="0" eaLnBrk="1" latinLnBrk="0" hangingPunct="1">
+        <a:lnSpc>
+          <a:spcPct val="90000"/>
+        </a:lnSpc>
+        <a:spcBef>
+          <a:spcPts val="500"/>
+        </a:spcBef>
+        <a:buFont typeface="Arial" panose="020B0604020202020204" pitchFamily="34" charset="0"/>
+        <a:buChar char="•"/>
+        <a:defRPr sz="1800" kern="1200">
+          <a:solidFill>
+            <a:schemeClr val="tx1"/>
+          </a:solidFill>
+          <a:latin typeface="+mn-lt"/>
+          <a:ea typeface="+mn-ea"/>
+          <a:cs typeface="+mn-cs"/>
+        </a:defRPr>
+      </a:lvl8pPr>
+      <a:lvl9pPr marL="3886200" indent="-228600" algn="l" defTabSz="914400" rtl="0" eaLnBrk="1" latinLnBrk="0" hangingPunct="1">
+        <a:lnSpc>
+          <a:spcPct val="90000"/>
+        </a:lnSpc>
+        <a:spcBef>
+          <a:spcPts val="500"/>
+        </a:spcBef>
+        <a:buFont typeface="Arial" panose="020B0604020202020204" pitchFamily="34" charset="0"/>
+        <a:buChar char="•"/>
+        <a:defRPr sz="1800" kern="1200">
+          <a:solidFill>
+            <a:schemeClr val="tx1"/>
+          </a:solidFill>
+          <a:latin typeface="+mn-lt"/>
+          <a:ea typeface="+mn-ea"/>
+          <a:cs typeface="+mn-cs"/>
+        </a:defRPr>
+      </a:lvl9pPr>
+    </p:bodyStyle>
+    <p:otherStyle>
+      <a:defPPr>
+        <a:defRPr lang="en-US"/>
+      </a:defPPr>
+      <a:lvl1pPr marL="0" algn="l" defTabSz="914400" rtl="0" eaLnBrk="1" latinLnBrk="0" hangingPunct="1">
+        <a:defRPr sz="1800" kern="1200">
+          <a:solidFill>
+            <a:schemeClr val="tx1"/>
+          </a:solidFill>
+          <a:latin typeface="+mn-lt"/>
+          <a:ea typeface="+mn-ea"/>
+          <a:cs typeface="+mn-cs"/>
+        </a:defRPr>
+      </a:lvl1pPr>
+      <a:lvl2pPr marL="457200" algn="l" defTabSz="914400" rtl="0" eaLnBrk="1" latinLnBrk="0" hangingPunct="1">
+        <a:defRPr sz="1800" kern="1200">
+          <a:solidFill>
+            <a:schemeClr val="tx1"/>
+          </a:solidFill>
+          <a:latin typeface="+mn-lt"/>
+          <a:ea typeface="+mn-ea"/>
+          <a:cs typeface="+mn-cs"/>
+        </a:defRPr>
+      </a:lvl2pPr>
+      <a:lvl3pPr marL="914400" algn="l" defTabSz="914400" rtl="0" eaLnBrk="1" latinLnBrk="0" hangingPunct="1">
+        <a:defRPr sz="1800" kern="1200">
+          <a:solidFill>
+            <a:schemeClr val="tx1"/>
+          </a:solidFill>
+          <a:latin typeface="+mn-lt"/>
+          <a:ea typeface="+mn-ea"/>
+          <a:cs typeface="+mn-cs"/>
+        </a:defRPr>
+      </a:lvl3pPr>
+      <a:lvl4pPr marL="1371600" algn="l" defTabSz="914400" rtl="0" eaLnBrk="1" latinLnBrk="0" hangingPunct="1">
+        <a:defRPr sz="1800" kern="1200">
+          <a:solidFill>
+            <a:schemeClr val="tx1"/>
+          </a:solidFill>
+          <a:latin typeface="+mn-lt"/>
+          <a:ea typeface="+mn-ea"/>
+          <a:cs typeface="+mn-cs"/>
+        </a:defRPr>
+      </a:lvl4pPr>
+      <a:lvl5pPr marL="1828800" algn="l" defTabSz="914400" rtl="0" eaLnBrk="1" latinLnBrk="0" hangingPunct="1">
+        <a:defRPr sz="1800" kern="1200">
+          <a:solidFill>
+            <a:schemeClr val="tx1"/>
+          </a:solidFill>
+          <a:latin typeface="+mn-lt"/>
+          <a:ea typeface="+mn-ea"/>
+          <a:cs typeface="+mn-cs"/>
+        </a:defRPr>
+      </a:lvl5pPr>
+      <a:lvl6pPr marL="2286000" algn="l" defTabSz="914400" rtl="0" eaLnBrk="1" latinLnBrk="0" hangingPunct="1">
+        <a:defRPr sz="1800" kern="1200">
+          <a:solidFill>
+            <a:schemeClr val="tx1"/>
+          </a:solidFill>
+          <a:latin typeface="+mn-lt"/>
+          <a:ea typeface="+mn-ea"/>
+          <a:cs typeface="+mn-cs"/>
+        </a:defRPr>
+      </a:lvl6pPr>
+      <a:lvl7pPr marL="2743200" algn="l" defTabSz="914400" rtl="0" eaLnBrk="1" latinLnBrk="0" hangingPunct="1">
+        <a:defRPr sz="1800" kern="1200">
+          <a:solidFill>
+            <a:schemeClr val="tx1"/>
+          </a:solidFill>
+          <a:latin typeface="+mn-lt"/>
+          <a:ea typeface="+mn-ea"/>
+          <a:cs typeface="+mn-cs"/>
+        </a:defRPr>
+      </a:lvl7pPr>
+      <a:lvl8pPr marL="3200400" algn="l" defTabSz="914400" rtl="0" eaLnBrk="1" latinLnBrk="0" hangingPunct="1">
+        <a:defRPr sz="1800" kern="1200">
+          <a:solidFill>
+            <a:schemeClr val="tx1"/>
+          </a:solidFill>
+          <a:latin typeface="+mn-lt"/>
+          <a:ea typeface="+mn-ea"/>
+          <a:cs typeface="+mn-cs"/>
+        </a:defRPr>
+      </a:lvl8pPr>
+      <a:lvl9pPr marL="3657600" algn="l" defTabSz="914400" rtl="0" eaLnBrk="1" latinLnBrk="0" hangingPunct="1">
+        <a:defRPr sz="1800" kern="1200">
+          <a:solidFill>
+            <a:schemeClr val="tx1"/>
+          </a:solidFill>
+          <a:latin typeface="+mn-lt"/>
+          <a:ea typeface="+mn-ea"/>
+          <a:cs typeface="+mn-cs"/>
+        </a:defRPr>
+      </a:lvl9pPr>
+    </p:otherStyle>
+  </p:txStyles>
 </p:sldMaster>
 </file>
 
 <file path=ppt/slideMasters/slideMaster2.xml><?xml version="1.0" encoding="utf-8"?>
-<p:sldMaster xmlns:a="http://schemas.openxmlformats.org/drawingml/2006/main" xmlns:p="http://schemas.openxmlformats.org/presentationml/2006/main" xmlns:r="http://schemas.openxmlformats.org/officeDocument/2006/relationships" xmlns:p14="http://schemas.microsoft.com/office/powerpoint/2010/main" xmlns:p15="http://schemas.microsoft.com/office/powerpoint/2012/main" xmlns:mc="http://schemas.openxmlformats.org/markup-compatibility/2006">
+<p:sldMaster xmlns:a="http://schemas.openxmlformats.org/drawingml/2006/main" xmlns:r="http://schemas.openxmlformats.org/officeDocument/2006/relationships" xmlns:p="http://schemas.openxmlformats.org/presentationml/2006/main">
   <p:cSld>
     <p:bg>
       <p:bgPr>
         <a:solidFill>
-          <a:srgbClr val="ffffff"/>
+          <a:srgbClr val="FFFFFF"/>
         </a:solidFill>
+        <a:effectLst/>
       </p:bgPr>
     </p:bg>
     <p:spTree>
@@ -3480,7 +3964,7 @@
             <a:avLst/>
           </a:prstGeom>
           <a:solidFill>
-            <a:srgbClr val="8a5842"/>
+            <a:srgbClr val="8A5842"/>
           </a:solidFill>
           <a:ln>
             <a:noFill/>
@@ -3561,6 +4045,7 @@
         </p:spPr>
         <p:txBody>
           <a:bodyPr lIns="0" rIns="0"/>
+          <a:lstStyle/>
           <a:p>
             <a:pPr marL="284040" indent="-283680">
               <a:lnSpc>
@@ -3580,7 +4065,7 @@
               <a:buChar char=""/>
             </a:pPr>
             <a:r>
-              <a:rPr b="0" lang="en-US" sz="2000" spc="-1" strike="noStrike">
+              <a:rPr lang="en-US" sz="2000" b="0" strike="noStrike" spc="-1">
                 <a:solidFill>
                   <a:srgbClr val="404040"/>
                 </a:solidFill>
@@ -3588,15 +4073,9 @@
               </a:rPr>
               <a:t>Edit Master text styles</a:t>
             </a:r>
-            <a:endParaRPr b="0" lang="en-US" sz="2000" spc="-1" strike="noStrike">
-              <a:solidFill>
-                <a:srgbClr val="404040"/>
-              </a:solidFill>
-              <a:latin typeface="Calibri"/>
-            </a:endParaRPr>
-          </a:p>
-          <a:p>
-            <a:pPr lvl="1" marL="460440" indent="-229680">
+          </a:p>
+          <a:p>
+            <a:pPr marL="460440" lvl="1" indent="-229680">
               <a:lnSpc>
                 <a:spcPct val="90000"/>
               </a:lnSpc>
@@ -3613,7 +4092,7 @@
               <a:buChar char="o"/>
             </a:pPr>
             <a:r>
-              <a:rPr b="0" lang="en-US" sz="1800" spc="-1" strike="noStrike">
+              <a:rPr lang="en-US" sz="1800" b="0" strike="noStrike" spc="-1">
                 <a:solidFill>
                   <a:srgbClr val="404040"/>
                 </a:solidFill>
@@ -3621,15 +4100,9 @@
               </a:rPr>
               <a:t>Second level</a:t>
             </a:r>
-            <a:endParaRPr b="0" lang="en-US" sz="1800" spc="-1" strike="noStrike">
-              <a:solidFill>
-                <a:srgbClr val="404040"/>
-              </a:solidFill>
-              <a:latin typeface="Calibri"/>
-            </a:endParaRPr>
-          </a:p>
-          <a:p>
-            <a:pPr lvl="2" marL="684360" indent="-223560">
+          </a:p>
+          <a:p>
+            <a:pPr marL="684360" lvl="2" indent="-223560">
               <a:lnSpc>
                 <a:spcPct val="90000"/>
               </a:lnSpc>
@@ -3646,7 +4119,7 @@
               <a:buChar char="o"/>
             </a:pPr>
             <a:r>
-              <a:rPr b="0" lang="en-US" sz="1400" spc="-1" strike="noStrike">
+              <a:rPr lang="en-US" sz="1400" b="0" strike="noStrike" spc="-1">
                 <a:solidFill>
                   <a:srgbClr val="404040"/>
                 </a:solidFill>
@@ -3654,15 +4127,9 @@
               </a:rPr>
               <a:t>Third level</a:t>
             </a:r>
-            <a:endParaRPr b="0" lang="en-US" sz="1400" spc="-1" strike="noStrike">
-              <a:solidFill>
-                <a:srgbClr val="404040"/>
-              </a:solidFill>
-              <a:latin typeface="Calibri"/>
-            </a:endParaRPr>
-          </a:p>
-          <a:p>
-            <a:pPr lvl="3" marL="914400" indent="-231480">
+          </a:p>
+          <a:p>
+            <a:pPr marL="914400" lvl="3" indent="-231480">
               <a:lnSpc>
                 <a:spcPct val="90000"/>
               </a:lnSpc>
@@ -3679,7 +4146,7 @@
               <a:buChar char="o"/>
             </a:pPr>
             <a:r>
-              <a:rPr b="0" lang="en-US" sz="1400" spc="-1" strike="noStrike">
+              <a:rPr lang="en-US" sz="1400" b="0" strike="noStrike" spc="-1">
                 <a:solidFill>
                   <a:srgbClr val="404040"/>
                 </a:solidFill>
@@ -3687,15 +4154,9 @@
               </a:rPr>
               <a:t>Fourth level</a:t>
             </a:r>
-            <a:endParaRPr b="0" lang="en-US" sz="1400" spc="-1" strike="noStrike">
-              <a:solidFill>
-                <a:srgbClr val="404040"/>
-              </a:solidFill>
-              <a:latin typeface="Calibri"/>
-            </a:endParaRPr>
-          </a:p>
-          <a:p>
-            <a:pPr lvl="4" marL="1144440" indent="-231480">
+          </a:p>
+          <a:p>
+            <a:pPr marL="1144440" lvl="4" indent="-231480">
               <a:lnSpc>
                 <a:spcPct val="90000"/>
               </a:lnSpc>
@@ -3712,7 +4173,7 @@
               <a:buChar char="o"/>
             </a:pPr>
             <a:r>
-              <a:rPr b="0" lang="en-US" sz="1400" spc="-1" strike="noStrike">
+              <a:rPr lang="en-US" sz="1400" b="0" strike="noStrike" spc="-1">
                 <a:solidFill>
                   <a:srgbClr val="404040"/>
                 </a:solidFill>
@@ -3720,12 +4181,6 @@
               </a:rPr>
               <a:t>Fifth level</a:t>
             </a:r>
-            <a:endParaRPr b="0" lang="en-US" sz="1400" spc="-1" strike="noStrike">
-              <a:solidFill>
-                <a:srgbClr val="404040"/>
-              </a:solidFill>
-              <a:latin typeface="Calibri"/>
-            </a:endParaRPr>
           </a:p>
         </p:txBody>
       </p:sp>
@@ -3752,6 +4207,7 @@
           <a:bodyPr>
             <a:normAutofit/>
           </a:bodyPr>
+          <a:lstStyle/>
           <a:p>
             <a:pPr>
               <a:lnSpc>
@@ -3759,7 +4215,7 @@
               </a:lnSpc>
             </a:pPr>
             <a:r>
-              <a:rPr b="0" lang="en-US" sz="4000" spc="-49" strike="noStrike">
+              <a:rPr lang="en-US" sz="4000" b="0" strike="noStrike" spc="-49">
                 <a:solidFill>
                   <a:srgbClr val="404040"/>
                 </a:solidFill>
@@ -3767,7 +4223,7 @@
               </a:rPr>
               <a:t>Click to edit Master title style</a:t>
             </a:r>
-            <a:endParaRPr b="0" lang="en-US" sz="4000" spc="-1" strike="noStrike">
+            <a:endParaRPr lang="en-US" sz="4000" b="0" strike="noStrike" spc="-1">
               <a:solidFill>
                 <a:srgbClr val="000000"/>
               </a:solidFill>
@@ -3797,6 +4253,7 @@
         </p:spPr>
         <p:txBody>
           <a:bodyPr anchor="ctr"/>
+          <a:lstStyle/>
           <a:p>
             <a:pPr>
               <a:lnSpc>
@@ -3804,15 +4261,15 @@
               </a:lnSpc>
             </a:pPr>
             <a:fld id="{5EBAB137-EA2F-47FD-85BA-AB48C9D29B76}" type="datetime1">
-              <a:rPr b="0" lang="en-US" sz="900" spc="-1" strike="noStrike">
+              <a:rPr lang="en-US" sz="900" b="0" strike="noStrike" spc="-1">
                 <a:solidFill>
-                  <a:srgbClr val="ffffff"/>
+                  <a:srgbClr val="FFFFFF"/>
                 </a:solidFill>
                 <a:latin typeface="Calibri"/>
               </a:rPr>
-              <a:t>03/11/2019</a:t>
+              <a:t>3/11/2019</a:t>
             </a:fld>
-            <a:endParaRPr b="0" lang="en-US" sz="900" spc="-1" strike="noStrike">
+            <a:endParaRPr lang="en-US" sz="900" b="0" strike="noStrike" spc="-1">
               <a:latin typeface="Times New Roman"/>
             </a:endParaRPr>
           </a:p>
@@ -3839,6 +4296,7 @@
         </p:spPr>
         <p:txBody>
           <a:bodyPr anchor="ctr"/>
+          <a:lstStyle/>
           <a:p>
             <a:pPr algn="r">
               <a:lnSpc>
@@ -3846,15 +4304,15 @@
               </a:lnSpc>
             </a:pPr>
             <a:fld id="{5CB815A3-8CDF-47CB-9C2D-927B6D185E72}" type="slidenum">
-              <a:rPr b="0" lang="en-US" sz="1050" spc="-1" strike="noStrike">
+              <a:rPr lang="en-US" sz="1050" b="0" strike="noStrike" spc="-1">
                 <a:solidFill>
-                  <a:srgbClr val="ffffff"/>
+                  <a:srgbClr val="FFFFFF"/>
                 </a:solidFill>
                 <a:latin typeface="Calibri"/>
               </a:rPr>
-              <a:t>1</a:t>
+              <a:t>‹#›</a:t>
             </a:fld>
-            <a:endParaRPr b="0" lang="en-US" sz="1050" spc="-1" strike="noStrike">
+            <a:endParaRPr lang="en-US" sz="1050" b="0" strike="noStrike" spc="-1">
               <a:latin typeface="Times New Roman"/>
             </a:endParaRPr>
           </a:p>
@@ -3862,26 +4320,306 @@
       </p:sp>
     </p:spTree>
   </p:cSld>
-  <p:clrMap bg1="lt1" bg2="lt2" tx1="dk1" tx2="dk2" accent1="accent1" accent2="accent2" accent3="accent3" accent4="accent4" accent5="accent5" accent6="accent6" hlink="hlink" folHlink="folHlink"/>
+  <p:clrMap bg1="lt1" tx1="dk1" bg2="lt2" tx2="dk2" accent1="accent1" accent2="accent2" accent3="accent3" accent4="accent4" accent5="accent5" accent6="accent6" hlink="hlink" folHlink="folHlink"/>
   <p:sldLayoutIdLst>
-    <p:sldLayoutId id="2147483662" r:id="rId2"/>
-    <p:sldLayoutId id="2147483663" r:id="rId3"/>
-    <p:sldLayoutId id="2147483664" r:id="rId4"/>
-    <p:sldLayoutId id="2147483665" r:id="rId5"/>
-    <p:sldLayoutId id="2147483666" r:id="rId6"/>
-    <p:sldLayoutId id="2147483667" r:id="rId7"/>
-    <p:sldLayoutId id="2147483668" r:id="rId8"/>
-    <p:sldLayoutId id="2147483669" r:id="rId9"/>
-    <p:sldLayoutId id="2147483670" r:id="rId10"/>
-    <p:sldLayoutId id="2147483671" r:id="rId11"/>
-    <p:sldLayoutId id="2147483672" r:id="rId12"/>
-    <p:sldLayoutId id="2147483673" r:id="rId13"/>
+    <p:sldLayoutId id="2147483662" r:id="rId1"/>
+    <p:sldLayoutId id="2147483663" r:id="rId2"/>
+    <p:sldLayoutId id="2147483664" r:id="rId3"/>
+    <p:sldLayoutId id="2147483665" r:id="rId4"/>
+    <p:sldLayoutId id="2147483666" r:id="rId5"/>
+    <p:sldLayoutId id="2147483667" r:id="rId6"/>
+    <p:sldLayoutId id="2147483668" r:id="rId7"/>
+    <p:sldLayoutId id="2147483669" r:id="rId8"/>
+    <p:sldLayoutId id="2147483670" r:id="rId9"/>
+    <p:sldLayoutId id="2147483671" r:id="rId10"/>
+    <p:sldLayoutId id="2147483672" r:id="rId11"/>
+    <p:sldLayoutId id="2147483673" r:id="rId12"/>
   </p:sldLayoutIdLst>
+  <p:txStyles>
+    <p:titleStyle>
+      <a:lvl1pPr algn="l" defTabSz="914400" rtl="0" eaLnBrk="1" latinLnBrk="0" hangingPunct="1">
+        <a:lnSpc>
+          <a:spcPct val="90000"/>
+        </a:lnSpc>
+        <a:spcBef>
+          <a:spcPct val="0"/>
+        </a:spcBef>
+        <a:buNone/>
+        <a:defRPr sz="4400" kern="1200">
+          <a:solidFill>
+            <a:schemeClr val="tx1"/>
+          </a:solidFill>
+          <a:latin typeface="+mj-lt"/>
+          <a:ea typeface="+mj-ea"/>
+          <a:cs typeface="+mj-cs"/>
+        </a:defRPr>
+      </a:lvl1pPr>
+    </p:titleStyle>
+    <p:bodyStyle>
+      <a:lvl1pPr marL="228600" indent="-228600" algn="l" defTabSz="914400" rtl="0" eaLnBrk="1" latinLnBrk="0" hangingPunct="1">
+        <a:lnSpc>
+          <a:spcPct val="90000"/>
+        </a:lnSpc>
+        <a:spcBef>
+          <a:spcPts val="1000"/>
+        </a:spcBef>
+        <a:buFont typeface="Arial" panose="020B0604020202020204" pitchFamily="34" charset="0"/>
+        <a:buChar char="•"/>
+        <a:defRPr sz="2800" kern="1200">
+          <a:solidFill>
+            <a:schemeClr val="tx1"/>
+          </a:solidFill>
+          <a:latin typeface="+mn-lt"/>
+          <a:ea typeface="+mn-ea"/>
+          <a:cs typeface="+mn-cs"/>
+        </a:defRPr>
+      </a:lvl1pPr>
+      <a:lvl2pPr marL="685800" indent="-228600" algn="l" defTabSz="914400" rtl="0" eaLnBrk="1" latinLnBrk="0" hangingPunct="1">
+        <a:lnSpc>
+          <a:spcPct val="90000"/>
+        </a:lnSpc>
+        <a:spcBef>
+          <a:spcPts val="500"/>
+        </a:spcBef>
+        <a:buFont typeface="Arial" panose="020B0604020202020204" pitchFamily="34" charset="0"/>
+        <a:buChar char="•"/>
+        <a:defRPr sz="2400" kern="1200">
+          <a:solidFill>
+            <a:schemeClr val="tx1"/>
+          </a:solidFill>
+          <a:latin typeface="+mn-lt"/>
+          <a:ea typeface="+mn-ea"/>
+          <a:cs typeface="+mn-cs"/>
+        </a:defRPr>
+      </a:lvl2pPr>
+      <a:lvl3pPr marL="1143000" indent="-228600" algn="l" defTabSz="914400" rtl="0" eaLnBrk="1" latinLnBrk="0" hangingPunct="1">
+        <a:lnSpc>
+          <a:spcPct val="90000"/>
+        </a:lnSpc>
+        <a:spcBef>
+          <a:spcPts val="500"/>
+        </a:spcBef>
+        <a:buFont typeface="Arial" panose="020B0604020202020204" pitchFamily="34" charset="0"/>
+        <a:buChar char="•"/>
+        <a:defRPr sz="2000" kern="1200">
+          <a:solidFill>
+            <a:schemeClr val="tx1"/>
+          </a:solidFill>
+          <a:latin typeface="+mn-lt"/>
+          <a:ea typeface="+mn-ea"/>
+          <a:cs typeface="+mn-cs"/>
+        </a:defRPr>
+      </a:lvl3pPr>
+      <a:lvl4pPr marL="1600200" indent="-228600" algn="l" defTabSz="914400" rtl="0" eaLnBrk="1" latinLnBrk="0" hangingPunct="1">
+        <a:lnSpc>
+          <a:spcPct val="90000"/>
+        </a:lnSpc>
+        <a:spcBef>
+          <a:spcPts val="500"/>
+        </a:spcBef>
+        <a:buFont typeface="Arial" panose="020B0604020202020204" pitchFamily="34" charset="0"/>
+        <a:buChar char="•"/>
+        <a:defRPr sz="1800" kern="1200">
+          <a:solidFill>
+            <a:schemeClr val="tx1"/>
+          </a:solidFill>
+          <a:latin typeface="+mn-lt"/>
+          <a:ea typeface="+mn-ea"/>
+          <a:cs typeface="+mn-cs"/>
+        </a:defRPr>
+      </a:lvl4pPr>
+      <a:lvl5pPr marL="2057400" indent="-228600" algn="l" defTabSz="914400" rtl="0" eaLnBrk="1" latinLnBrk="0" hangingPunct="1">
+        <a:lnSpc>
+          <a:spcPct val="90000"/>
+        </a:lnSpc>
+        <a:spcBef>
+          <a:spcPts val="500"/>
+        </a:spcBef>
+        <a:buFont typeface="Arial" panose="020B0604020202020204" pitchFamily="34" charset="0"/>
+        <a:buChar char="•"/>
+        <a:defRPr sz="1800" kern="1200">
+          <a:solidFill>
+            <a:schemeClr val="tx1"/>
+          </a:solidFill>
+          <a:latin typeface="+mn-lt"/>
+          <a:ea typeface="+mn-ea"/>
+          <a:cs typeface="+mn-cs"/>
+        </a:defRPr>
+      </a:lvl5pPr>
+      <a:lvl6pPr marL="2514600" indent="-228600" algn="l" defTabSz="914400" rtl="0" eaLnBrk="1" latinLnBrk="0" hangingPunct="1">
+        <a:lnSpc>
+          <a:spcPct val="90000"/>
+        </a:lnSpc>
+        <a:spcBef>
+          <a:spcPts val="500"/>
+        </a:spcBef>
+        <a:buFont typeface="Arial" panose="020B0604020202020204" pitchFamily="34" charset="0"/>
+        <a:buChar char="•"/>
+        <a:defRPr sz="1800" kern="1200">
+          <a:solidFill>
+            <a:schemeClr val="tx1"/>
+          </a:solidFill>
+          <a:latin typeface="+mn-lt"/>
+          <a:ea typeface="+mn-ea"/>
+          <a:cs typeface="+mn-cs"/>
+        </a:defRPr>
+      </a:lvl6pPr>
+      <a:lvl7pPr marL="2971800" indent="-228600" algn="l" defTabSz="914400" rtl="0" eaLnBrk="1" latinLnBrk="0" hangingPunct="1">
+        <a:lnSpc>
+          <a:spcPct val="90000"/>
+        </a:lnSpc>
+        <a:spcBef>
+          <a:spcPts val="500"/>
+        </a:spcBef>
+        <a:buFont typeface="Arial" panose="020B0604020202020204" pitchFamily="34" charset="0"/>
+        <a:buChar char="•"/>
+        <a:defRPr sz="1800" kern="1200">
+          <a:solidFill>
+            <a:schemeClr val="tx1"/>
+          </a:solidFill>
+          <a:latin typeface="+mn-lt"/>
+          <a:ea typeface="+mn-ea"/>
+          <a:cs typeface="+mn-cs"/>
+        </a:defRPr>
+      </a:lvl7pPr>
+      <a:lvl8pPr marL="3429000" indent="-228600" algn="l" defTabSz="914400" rtl="0" eaLnBrk="1" latinLnBrk="0" hangingPunct="1">
+        <a:lnSpc>
+          <a:spcPct val="90000"/>
+        </a:lnSpc>
+        <a:spcBef>
+          <a:spcPts val="500"/>
+        </a:spcBef>
+        <a:buFont typeface="Arial" panose="020B0604020202020204" pitchFamily="34" charset="0"/>
+        <a:buChar char="•"/>
+        <a:defRPr sz="1800" kern="1200">
+          <a:solidFill>
+            <a:schemeClr val="tx1"/>
+          </a:solidFill>
+          <a:latin typeface="+mn-lt"/>
+          <a:ea typeface="+mn-ea"/>
+          <a:cs typeface="+mn-cs"/>
+        </a:defRPr>
+      </a:lvl8pPr>
+      <a:lvl9pPr marL="3886200" indent="-228600" algn="l" defTabSz="914400" rtl="0" eaLnBrk="1" latinLnBrk="0" hangingPunct="1">
+        <a:lnSpc>
+          <a:spcPct val="90000"/>
+        </a:lnSpc>
+        <a:spcBef>
+          <a:spcPts val="500"/>
+        </a:spcBef>
+        <a:buFont typeface="Arial" panose="020B0604020202020204" pitchFamily="34" charset="0"/>
+        <a:buChar char="•"/>
+        <a:defRPr sz="1800" kern="1200">
+          <a:solidFill>
+            <a:schemeClr val="tx1"/>
+          </a:solidFill>
+          <a:latin typeface="+mn-lt"/>
+          <a:ea typeface="+mn-ea"/>
+          <a:cs typeface="+mn-cs"/>
+        </a:defRPr>
+      </a:lvl9pPr>
+    </p:bodyStyle>
+    <p:otherStyle>
+      <a:defPPr>
+        <a:defRPr lang="en-US"/>
+      </a:defPPr>
+      <a:lvl1pPr marL="0" algn="l" defTabSz="914400" rtl="0" eaLnBrk="1" latinLnBrk="0" hangingPunct="1">
+        <a:defRPr sz="1800" kern="1200">
+          <a:solidFill>
+            <a:schemeClr val="tx1"/>
+          </a:solidFill>
+          <a:latin typeface="+mn-lt"/>
+          <a:ea typeface="+mn-ea"/>
+          <a:cs typeface="+mn-cs"/>
+        </a:defRPr>
+      </a:lvl1pPr>
+      <a:lvl2pPr marL="457200" algn="l" defTabSz="914400" rtl="0" eaLnBrk="1" latinLnBrk="0" hangingPunct="1">
+        <a:defRPr sz="1800" kern="1200">
+          <a:solidFill>
+            <a:schemeClr val="tx1"/>
+          </a:solidFill>
+          <a:latin typeface="+mn-lt"/>
+          <a:ea typeface="+mn-ea"/>
+          <a:cs typeface="+mn-cs"/>
+        </a:defRPr>
+      </a:lvl2pPr>
+      <a:lvl3pPr marL="914400" algn="l" defTabSz="914400" rtl="0" eaLnBrk="1" latinLnBrk="0" hangingPunct="1">
+        <a:defRPr sz="1800" kern="1200">
+          <a:solidFill>
+            <a:schemeClr val="tx1"/>
+          </a:solidFill>
+          <a:latin typeface="+mn-lt"/>
+          <a:ea typeface="+mn-ea"/>
+          <a:cs typeface="+mn-cs"/>
+        </a:defRPr>
+      </a:lvl3pPr>
+      <a:lvl4pPr marL="1371600" algn="l" defTabSz="914400" rtl="0" eaLnBrk="1" latinLnBrk="0" hangingPunct="1">
+        <a:defRPr sz="1800" kern="1200">
+          <a:solidFill>
+            <a:schemeClr val="tx1"/>
+          </a:solidFill>
+          <a:latin typeface="+mn-lt"/>
+          <a:ea typeface="+mn-ea"/>
+          <a:cs typeface="+mn-cs"/>
+        </a:defRPr>
+      </a:lvl4pPr>
+      <a:lvl5pPr marL="1828800" algn="l" defTabSz="914400" rtl="0" eaLnBrk="1" latinLnBrk="0" hangingPunct="1">
+        <a:defRPr sz="1800" kern="1200">
+          <a:solidFill>
+            <a:schemeClr val="tx1"/>
+          </a:solidFill>
+          <a:latin typeface="+mn-lt"/>
+          <a:ea typeface="+mn-ea"/>
+          <a:cs typeface="+mn-cs"/>
+        </a:defRPr>
+      </a:lvl5pPr>
+      <a:lvl6pPr marL="2286000" algn="l" defTabSz="914400" rtl="0" eaLnBrk="1" latinLnBrk="0" hangingPunct="1">
+        <a:defRPr sz="1800" kern="1200">
+          <a:solidFill>
+            <a:schemeClr val="tx1"/>
+          </a:solidFill>
+          <a:latin typeface="+mn-lt"/>
+          <a:ea typeface="+mn-ea"/>
+          <a:cs typeface="+mn-cs"/>
+        </a:defRPr>
+      </a:lvl6pPr>
+      <a:lvl7pPr marL="2743200" algn="l" defTabSz="914400" rtl="0" eaLnBrk="1" latinLnBrk="0" hangingPunct="1">
+        <a:defRPr sz="1800" kern="1200">
+          <a:solidFill>
+            <a:schemeClr val="tx1"/>
+          </a:solidFill>
+          <a:latin typeface="+mn-lt"/>
+          <a:ea typeface="+mn-ea"/>
+          <a:cs typeface="+mn-cs"/>
+        </a:defRPr>
+      </a:lvl7pPr>
+      <a:lvl8pPr marL="3200400" algn="l" defTabSz="914400" rtl="0" eaLnBrk="1" latinLnBrk="0" hangingPunct="1">
+        <a:defRPr sz="1800" kern="1200">
+          <a:solidFill>
+            <a:schemeClr val="tx1"/>
+          </a:solidFill>
+          <a:latin typeface="+mn-lt"/>
+          <a:ea typeface="+mn-ea"/>
+          <a:cs typeface="+mn-cs"/>
+        </a:defRPr>
+      </a:lvl8pPr>
+      <a:lvl9pPr marL="3657600" algn="l" defTabSz="914400" rtl="0" eaLnBrk="1" latinLnBrk="0" hangingPunct="1">
+        <a:defRPr sz="1800" kern="1200">
+          <a:solidFill>
+            <a:schemeClr val="tx1"/>
+          </a:solidFill>
+          <a:latin typeface="+mn-lt"/>
+          <a:ea typeface="+mn-ea"/>
+          <a:cs typeface="+mn-cs"/>
+        </a:defRPr>
+      </a:lvl9pPr>
+    </p:otherStyle>
+  </p:txStyles>
 </p:sldMaster>
 </file>
 
 <file path=ppt/slides/slide1.xml><?xml version="1.0" encoding="utf-8"?>
-<p:sld xmlns:a="http://schemas.openxmlformats.org/drawingml/2006/main" xmlns:p="http://schemas.openxmlformats.org/presentationml/2006/main" xmlns:r="http://schemas.openxmlformats.org/officeDocument/2006/relationships" xmlns:p14="http://schemas.microsoft.com/office/powerpoint/2010/main" xmlns:p15="http://schemas.microsoft.com/office/powerpoint/2012/main" xmlns:mc="http://schemas.openxmlformats.org/markup-compatibility/2006">
+<p:sld xmlns:a="http://schemas.openxmlformats.org/drawingml/2006/main" xmlns:r="http://schemas.openxmlformats.org/officeDocument/2006/relationships" xmlns:p="http://schemas.openxmlformats.org/presentationml/2006/main">
   <p:cSld>
     <p:spTree>
       <p:nvGrpSpPr>
@@ -3918,6 +4656,7 @@
         </p:spPr>
         <p:txBody>
           <a:bodyPr anchor="ctr"/>
+          <a:lstStyle/>
           <a:p>
             <a:pPr>
               <a:lnSpc>
@@ -3925,7 +4664,7 @@
               </a:lnSpc>
             </a:pPr>
             <a:r>
-              <a:rPr b="0" lang="en-US" sz="8000" spc="-49" strike="noStrike">
+              <a:rPr lang="en-US" sz="8000" b="0" strike="noStrike" spc="-49">
                 <a:solidFill>
                   <a:srgbClr val="262626"/>
                 </a:solidFill>
@@ -3933,7 +4672,7 @@
               </a:rPr>
               <a:t>Voice Modulator</a:t>
             </a:r>
-            <a:endParaRPr b="0" lang="en-US" sz="8000" spc="-1" strike="noStrike">
+            <a:endParaRPr lang="en-US" sz="8000" b="0" strike="noStrike" spc="-1">
               <a:solidFill>
                 <a:srgbClr val="000000"/>
               </a:solidFill>
@@ -3963,8 +4702,9 @@
         </p:spPr>
         <p:txBody>
           <a:bodyPr>
-            <a:normAutofit/>
+            <a:normAutofit fontScale="92500" lnSpcReduction="20000"/>
           </a:bodyPr>
+          <a:lstStyle/>
           <a:p>
             <a:pPr>
               <a:lnSpc>
@@ -3978,7 +4718,7 @@
               </a:spcAft>
             </a:pPr>
             <a:r>
-              <a:rPr b="0" lang="en-US" sz="2400" spc="199" strike="noStrike" cap="all">
+              <a:rPr lang="en-US" sz="2400" b="0" strike="noStrike" cap="all" spc="199">
                 <a:solidFill>
                   <a:srgbClr val="637052"/>
                 </a:solidFill>
@@ -3986,7 +4726,7 @@
               </a:rPr>
               <a:t>ECE 372A – Microcontroller organization</a:t>
             </a:r>
-            <a:endParaRPr b="0" lang="en-US" sz="2400" spc="-1" strike="noStrike">
+            <a:endParaRPr lang="en-US" sz="2400" b="0" strike="noStrike" spc="-1">
               <a:latin typeface="Arial"/>
             </a:endParaRPr>
           </a:p>
@@ -4003,7 +4743,7 @@
               </a:spcAft>
             </a:pPr>
             <a:r>
-              <a:rPr b="0" lang="en-US" sz="2400" spc="199" strike="noStrike" cap="all">
+              <a:rPr lang="en-US" sz="2400" b="0" strike="noStrike" cap="all" spc="199">
                 <a:solidFill>
                   <a:srgbClr val="637052"/>
                 </a:solidFill>
@@ -4011,7 +4751,7 @@
               </a:rPr>
               <a:t>Electrical and computer engineering</a:t>
             </a:r>
-            <a:endParaRPr b="0" lang="en-US" sz="2400" spc="-1" strike="noStrike">
+            <a:endParaRPr lang="en-US" sz="2400" b="0" strike="noStrike" spc="-1">
               <a:latin typeface="Arial"/>
             </a:endParaRPr>
           </a:p>
@@ -4028,7 +4768,7 @@
               </a:spcAft>
             </a:pPr>
             <a:r>
-              <a:rPr b="0" lang="en-US" sz="2400" spc="199" strike="noStrike" cap="all">
+              <a:rPr lang="en-US" sz="2400" b="0" strike="noStrike" cap="all" spc="199">
                 <a:solidFill>
                   <a:srgbClr val="637052"/>
                 </a:solidFill>
@@ -4036,7 +4776,7 @@
               </a:rPr>
               <a:t>University of Arizona</a:t>
             </a:r>
-            <a:endParaRPr b="0" lang="en-US" sz="2400" spc="-1" strike="noStrike">
+            <a:endParaRPr lang="en-US" sz="2400" b="0" strike="noStrike" spc="-1">
               <a:latin typeface="Arial"/>
             </a:endParaRPr>
           </a:p>
@@ -4053,7 +4793,7 @@
               </a:spcAft>
             </a:pPr>
             <a:r>
-              <a:rPr b="0" lang="en-US" sz="2400" spc="199" strike="noStrike" cap="all">
+              <a:rPr lang="en-US" sz="2400" b="0" strike="noStrike" cap="all" spc="199">
                 <a:solidFill>
                   <a:srgbClr val="637052"/>
                 </a:solidFill>
@@ -4061,7 +4801,7 @@
               </a:rPr>
               <a:t>SPRING 2019</a:t>
             </a:r>
-            <a:endParaRPr b="0" lang="en-US" sz="2400" spc="-1" strike="noStrike">
+            <a:endParaRPr lang="en-US" sz="2400" b="0" strike="noStrike" spc="-1">
               <a:latin typeface="Arial"/>
             </a:endParaRPr>
           </a:p>
@@ -4077,7 +4817,7 @@
                 <a:spcPts val="201"/>
               </a:spcAft>
             </a:pPr>
-            <a:endParaRPr b="0" lang="en-US" sz="2400" spc="-1" strike="noStrike">
+            <a:endParaRPr lang="en-US" sz="2400" b="0" strike="noStrike" spc="-1">
               <a:latin typeface="Arial"/>
             </a:endParaRPr>
           </a:p>
@@ -4085,6 +4825,9 @@
       </p:sp>
     </p:spTree>
   </p:cSld>
+  <p:clrMapOvr>
+    <a:masterClrMapping/>
+  </p:clrMapOvr>
   <p:timing>
     <p:tnLst>
       <p:par>
@@ -4093,14 +4836,14 @@
             <p:seq>
               <p:cTn id="2" dur="indefinite" nodeType="mainSeq"/>
               <p:prevCondLst>
-                <p:cond delay="0" evt="onPrev">
+                <p:cond evt="onPrev" delay="0">
                   <p:tgtEl>
                     <p:sldTgt/>
                   </p:tgtEl>
                 </p:cond>
               </p:prevCondLst>
               <p:nextCondLst>
-                <p:cond delay="0" evt="onNext">
+                <p:cond evt="onNext" delay="0">
                   <p:tgtEl>
                     <p:sldTgt/>
                   </p:tgtEl>
@@ -4116,7 +4859,7 @@
 </file>
 
 <file path=ppt/slides/slide2.xml><?xml version="1.0" encoding="utf-8"?>
-<p:sld xmlns:a="http://schemas.openxmlformats.org/drawingml/2006/main" xmlns:p="http://schemas.openxmlformats.org/presentationml/2006/main" xmlns:r="http://schemas.openxmlformats.org/officeDocument/2006/relationships" xmlns:p14="http://schemas.microsoft.com/office/powerpoint/2010/main" xmlns:p15="http://schemas.microsoft.com/office/powerpoint/2012/main" xmlns:mc="http://schemas.openxmlformats.org/markup-compatibility/2006">
+<p:sld xmlns:a="http://schemas.openxmlformats.org/drawingml/2006/main" xmlns:r="http://schemas.openxmlformats.org/officeDocument/2006/relationships" xmlns:p="http://schemas.openxmlformats.org/presentationml/2006/main">
   <p:cSld>
     <p:spTree>
       <p:nvGrpSpPr>
@@ -4153,6 +4896,7 @@
         </p:spPr>
         <p:txBody>
           <a:bodyPr lIns="0" rIns="0"/>
+          <a:lstStyle/>
           <a:p>
             <a:pPr>
               <a:lnSpc>
@@ -4166,7 +4910,7 @@
               </a:spcAft>
             </a:pPr>
             <a:r>
-              <a:rPr b="0" lang="en-US" sz="2000" spc="-1" strike="noStrike">
+              <a:rPr lang="en-US" sz="2000" b="0" strike="noStrike" spc="-1">
                 <a:solidFill>
                   <a:srgbClr val="404040"/>
                 </a:solidFill>
@@ -4174,12 +4918,6 @@
               </a:rPr>
               <a:t>Nadine Alnajdawi</a:t>
             </a:r>
-            <a:endParaRPr b="0" lang="en-US" sz="2000" spc="-1" strike="noStrike">
-              <a:solidFill>
-                <a:srgbClr val="404040"/>
-              </a:solidFill>
-              <a:latin typeface="Calibri"/>
-            </a:endParaRPr>
           </a:p>
           <a:p>
             <a:pPr>
@@ -4194,7 +4932,7 @@
               </a:spcAft>
             </a:pPr>
             <a:r>
-              <a:rPr b="0" lang="en-US" sz="2000" spc="-1" strike="noStrike">
+              <a:rPr lang="en-US" sz="2000" b="0" strike="noStrike" spc="-1">
                 <a:solidFill>
                   <a:srgbClr val="404040"/>
                 </a:solidFill>
@@ -4202,12 +4940,6 @@
               </a:rPr>
               <a:t>Jacob Bowles</a:t>
             </a:r>
-            <a:endParaRPr b="0" lang="en-US" sz="2000" spc="-1" strike="noStrike">
-              <a:solidFill>
-                <a:srgbClr val="404040"/>
-              </a:solidFill>
-              <a:latin typeface="Calibri"/>
-            </a:endParaRPr>
           </a:p>
           <a:p>
             <a:pPr>
@@ -4222,7 +4954,7 @@
               </a:spcAft>
             </a:pPr>
             <a:r>
-              <a:rPr b="0" lang="en-US" sz="2000" spc="-1" strike="noStrike">
+              <a:rPr lang="en-US" sz="2000" b="0" strike="noStrike" spc="-1">
                 <a:solidFill>
                   <a:srgbClr val="404040"/>
                 </a:solidFill>
@@ -4230,12 +4962,6 @@
               </a:rPr>
               <a:t>Jessica Sofka</a:t>
             </a:r>
-            <a:endParaRPr b="0" lang="en-US" sz="2000" spc="-1" strike="noStrike">
-              <a:solidFill>
-                <a:srgbClr val="404040"/>
-              </a:solidFill>
-              <a:latin typeface="Calibri"/>
-            </a:endParaRPr>
           </a:p>
           <a:p>
             <a:pPr>
@@ -4250,7 +4976,7 @@
               </a:spcAft>
             </a:pPr>
             <a:r>
-              <a:rPr b="0" lang="en-US" sz="2000" spc="-1" strike="noStrike">
+              <a:rPr lang="en-US" sz="2000" b="0" strike="noStrike" spc="-1">
                 <a:solidFill>
                   <a:srgbClr val="404040"/>
                 </a:solidFill>
@@ -4258,12 +4984,6 @@
               </a:rPr>
               <a:t>Lena Voytek  </a:t>
             </a:r>
-            <a:endParaRPr b="0" lang="en-US" sz="2000" spc="-1" strike="noStrike">
-              <a:solidFill>
-                <a:srgbClr val="404040"/>
-              </a:solidFill>
-              <a:latin typeface="Calibri"/>
-            </a:endParaRPr>
           </a:p>
         </p:txBody>
       </p:sp>
@@ -4288,6 +5008,7 @@
         </p:spPr>
         <p:txBody>
           <a:bodyPr/>
+          <a:lstStyle/>
           <a:p>
             <a:pPr>
               <a:lnSpc>
@@ -4295,7 +5016,7 @@
               </a:lnSpc>
             </a:pPr>
             <a:r>
-              <a:rPr b="0" lang="en-US" sz="4000" spc="-49" strike="noStrike">
+              <a:rPr lang="en-US" sz="4000" b="0" strike="noStrike" spc="-49">
                 <a:solidFill>
                   <a:srgbClr val="404040"/>
                 </a:solidFill>
@@ -4303,7 +5024,7 @@
               </a:rPr>
               <a:t>Team Members</a:t>
             </a:r>
-            <a:endParaRPr b="0" lang="en-US" sz="4000" spc="-1" strike="noStrike">
+            <a:endParaRPr lang="en-US" sz="4000" b="0" strike="noStrike" spc="-1">
               <a:solidFill>
                 <a:srgbClr val="000000"/>
               </a:solidFill>
@@ -4314,22 +5035,25 @@
       </p:sp>
     </p:spTree>
   </p:cSld>
+  <p:clrMapOvr>
+    <a:masterClrMapping/>
+  </p:clrMapOvr>
   <p:timing>
     <p:tnLst>
       <p:par>
-        <p:cTn id="3" dur="indefinite" restart="never" nodeType="tmRoot">
+        <p:cTn id="1" dur="indefinite" restart="never" nodeType="tmRoot">
           <p:childTnLst>
             <p:seq>
-              <p:cTn id="4" dur="indefinite" nodeType="mainSeq"/>
+              <p:cTn id="2" dur="indefinite" nodeType="mainSeq"/>
               <p:prevCondLst>
-                <p:cond delay="0" evt="onPrev">
+                <p:cond evt="onPrev" delay="0">
                   <p:tgtEl>
                     <p:sldTgt/>
                   </p:tgtEl>
                 </p:cond>
               </p:prevCondLst>
               <p:nextCondLst>
-                <p:cond delay="0" evt="onNext">
+                <p:cond evt="onNext" delay="0">
                   <p:tgtEl>
                     <p:sldTgt/>
                   </p:tgtEl>
@@ -4345,7 +5069,7 @@
 </file>
 
 <file path=ppt/slides/slide3.xml><?xml version="1.0" encoding="utf-8"?>
-<p:sld xmlns:a="http://schemas.openxmlformats.org/drawingml/2006/main" xmlns:p="http://schemas.openxmlformats.org/presentationml/2006/main" xmlns:r="http://schemas.openxmlformats.org/officeDocument/2006/relationships" xmlns:p14="http://schemas.microsoft.com/office/powerpoint/2010/main" xmlns:p15="http://schemas.microsoft.com/office/powerpoint/2012/main" xmlns:mc="http://schemas.openxmlformats.org/markup-compatibility/2006">
+<p:sld xmlns:a="http://schemas.openxmlformats.org/drawingml/2006/main" xmlns:r="http://schemas.openxmlformats.org/officeDocument/2006/relationships" xmlns:p="http://schemas.openxmlformats.org/presentationml/2006/main">
   <p:cSld>
     <p:spTree>
       <p:nvGrpSpPr>
@@ -4382,6 +5106,7 @@
         </p:spPr>
         <p:txBody>
           <a:bodyPr lIns="0" rIns="0"/>
+          <a:lstStyle/>
           <a:p>
             <a:pPr marL="284040" indent="-283680">
               <a:lnSpc>
@@ -4401,7 +5126,7 @@
               <a:buChar char=""/>
             </a:pPr>
             <a:r>
-              <a:rPr b="0" lang="en-US" sz="2000" spc="-1" strike="noStrike">
+              <a:rPr lang="en-US" sz="2000" b="0" strike="noStrike" spc="-1" dirty="0">
                 <a:solidFill>
                   <a:srgbClr val="404040"/>
                 </a:solidFill>
@@ -4409,12 +5134,6 @@
               </a:rPr>
               <a:t>Describe the problem you are trying to solve</a:t>
             </a:r>
-            <a:endParaRPr b="0" lang="en-US" sz="2000" spc="-1" strike="noStrike">
-              <a:solidFill>
-                <a:srgbClr val="404040"/>
-              </a:solidFill>
-              <a:latin typeface="Calibri"/>
-            </a:endParaRPr>
           </a:p>
         </p:txBody>
       </p:sp>
@@ -4439,6 +5158,7 @@
         </p:spPr>
         <p:txBody>
           <a:bodyPr/>
+          <a:lstStyle/>
           <a:p>
             <a:pPr>
               <a:lnSpc>
@@ -4446,7 +5166,7 @@
               </a:lnSpc>
             </a:pPr>
             <a:r>
-              <a:rPr b="0" lang="en-US" sz="4000" spc="-49" strike="noStrike">
+              <a:rPr lang="en-US" sz="4000" b="0" strike="noStrike" spc="-49">
                 <a:solidFill>
                   <a:srgbClr val="404040"/>
                 </a:solidFill>
@@ -4454,7 +5174,7 @@
               </a:rPr>
               <a:t>Statement of Problem</a:t>
             </a:r>
-            <a:endParaRPr b="0" lang="en-US" sz="4000" spc="-1" strike="noStrike">
+            <a:endParaRPr lang="en-US" sz="4000" b="0" strike="noStrike" spc="-1">
               <a:solidFill>
                 <a:srgbClr val="000000"/>
               </a:solidFill>
@@ -4465,22 +5185,25 @@
       </p:sp>
     </p:spTree>
   </p:cSld>
+  <p:clrMapOvr>
+    <a:masterClrMapping/>
+  </p:clrMapOvr>
   <p:timing>
     <p:tnLst>
       <p:par>
-        <p:cTn id="5" dur="indefinite" restart="never" nodeType="tmRoot">
+        <p:cTn id="1" dur="indefinite" restart="never" nodeType="tmRoot">
           <p:childTnLst>
             <p:seq>
-              <p:cTn id="6" dur="indefinite" nodeType="mainSeq"/>
+              <p:cTn id="2" dur="indefinite" nodeType="mainSeq"/>
               <p:prevCondLst>
-                <p:cond delay="0" evt="onPrev">
+                <p:cond evt="onPrev" delay="0">
                   <p:tgtEl>
                     <p:sldTgt/>
                   </p:tgtEl>
                 </p:cond>
               </p:prevCondLst>
               <p:nextCondLst>
-                <p:cond delay="0" evt="onNext">
+                <p:cond evt="onNext" delay="0">
                   <p:tgtEl>
                     <p:sldTgt/>
                   </p:tgtEl>
@@ -4496,7 +5219,7 @@
 </file>
 
 <file path=ppt/slides/slide4.xml><?xml version="1.0" encoding="utf-8"?>
-<p:sld xmlns:a="http://schemas.openxmlformats.org/drawingml/2006/main" xmlns:p="http://schemas.openxmlformats.org/presentationml/2006/main" xmlns:r="http://schemas.openxmlformats.org/officeDocument/2006/relationships" xmlns:p14="http://schemas.microsoft.com/office/powerpoint/2010/main" xmlns:p15="http://schemas.microsoft.com/office/powerpoint/2012/main" xmlns:mc="http://schemas.openxmlformats.org/markup-compatibility/2006">
+<p:sld xmlns:a="http://schemas.openxmlformats.org/drawingml/2006/main" xmlns:r="http://schemas.openxmlformats.org/officeDocument/2006/relationships" xmlns:p="http://schemas.openxmlformats.org/presentationml/2006/main">
   <p:cSld>
     <p:spTree>
       <p:nvGrpSpPr>
@@ -4533,6 +5256,7 @@
         </p:spPr>
         <p:txBody>
           <a:bodyPr lIns="0" rIns="0"/>
+          <a:lstStyle/>
           <a:p>
             <a:pPr marL="284040" indent="-283680">
               <a:lnSpc>
@@ -4552,7 +5276,7 @@
               <a:buChar char=""/>
             </a:pPr>
             <a:r>
-              <a:rPr b="0" lang="en-US" sz="2000" spc="-1" strike="noStrike">
+              <a:rPr lang="en-US" sz="2000" b="0" strike="noStrike" spc="-1">
                 <a:solidFill>
                   <a:srgbClr val="404040"/>
                 </a:solidFill>
@@ -4560,12 +5284,6 @@
               </a:rPr>
               <a:t>Briefly describe your proposed prototype solution</a:t>
             </a:r>
-            <a:endParaRPr b="0" lang="en-US" sz="2000" spc="-1" strike="noStrike">
-              <a:solidFill>
-                <a:srgbClr val="404040"/>
-              </a:solidFill>
-              <a:latin typeface="Calibri"/>
-            </a:endParaRPr>
           </a:p>
         </p:txBody>
       </p:sp>
@@ -4590,6 +5308,7 @@
         </p:spPr>
         <p:txBody>
           <a:bodyPr/>
+          <a:lstStyle/>
           <a:p>
             <a:pPr>
               <a:lnSpc>
@@ -4597,7 +5316,7 @@
               </a:lnSpc>
             </a:pPr>
             <a:r>
-              <a:rPr b="0" lang="en-US" sz="4000" spc="-49" strike="noStrike">
+              <a:rPr lang="en-US" sz="4000" b="0" strike="noStrike" spc="-49">
                 <a:solidFill>
                   <a:srgbClr val="404040"/>
                 </a:solidFill>
@@ -4605,7 +5324,7 @@
               </a:rPr>
               <a:t>Proposed Prototype Solution</a:t>
             </a:r>
-            <a:endParaRPr b="0" lang="en-US" sz="4000" spc="-1" strike="noStrike">
+            <a:endParaRPr lang="en-US" sz="4000" b="0" strike="noStrike" spc="-1">
               <a:solidFill>
                 <a:srgbClr val="000000"/>
               </a:solidFill>
@@ -4616,22 +5335,25 @@
       </p:sp>
     </p:spTree>
   </p:cSld>
+  <p:clrMapOvr>
+    <a:masterClrMapping/>
+  </p:clrMapOvr>
   <p:timing>
     <p:tnLst>
       <p:par>
-        <p:cTn id="7" dur="indefinite" restart="never" nodeType="tmRoot">
+        <p:cTn id="1" dur="indefinite" restart="never" nodeType="tmRoot">
           <p:childTnLst>
             <p:seq>
-              <p:cTn id="8" dur="indefinite" nodeType="mainSeq"/>
+              <p:cTn id="2" dur="indefinite" nodeType="mainSeq"/>
               <p:prevCondLst>
-                <p:cond delay="0" evt="onPrev">
+                <p:cond evt="onPrev" delay="0">
                   <p:tgtEl>
                     <p:sldTgt/>
                   </p:tgtEl>
                 </p:cond>
               </p:prevCondLst>
               <p:nextCondLst>
-                <p:cond delay="0" evt="onNext">
+                <p:cond evt="onNext" delay="0">
                   <p:tgtEl>
                     <p:sldTgt/>
                   </p:tgtEl>
@@ -4647,7 +5369,7 @@
 </file>
 
 <file path=ppt/slides/slide5.xml><?xml version="1.0" encoding="utf-8"?>
-<p:sld xmlns:a="http://schemas.openxmlformats.org/drawingml/2006/main" xmlns:p="http://schemas.openxmlformats.org/presentationml/2006/main" xmlns:r="http://schemas.openxmlformats.org/officeDocument/2006/relationships" xmlns:p14="http://schemas.microsoft.com/office/powerpoint/2010/main" xmlns:p15="http://schemas.microsoft.com/office/powerpoint/2012/main" xmlns:mc="http://schemas.openxmlformats.org/markup-compatibility/2006">
+<p:sld xmlns:a="http://schemas.openxmlformats.org/drawingml/2006/main" xmlns:r="http://schemas.openxmlformats.org/officeDocument/2006/relationships" xmlns:p="http://schemas.openxmlformats.org/presentationml/2006/main">
   <p:cSld>
     <p:spTree>
       <p:nvGrpSpPr>
@@ -4671,7 +5393,7 @@
         </p:nvSpPr>
         <p:spPr>
           <a:xfrm>
-            <a:off x="822960" y="1185480"/>
+            <a:off x="822960" y="1215559"/>
             <a:ext cx="7543440" cy="4683240"/>
           </a:xfrm>
           <a:prstGeom prst="rect">
@@ -4684,6 +5406,7 @@
         </p:spPr>
         <p:txBody>
           <a:bodyPr lIns="0" rIns="0"/>
+          <a:lstStyle/>
           <a:p>
             <a:pPr marL="284040" indent="-283680">
               <a:lnSpc>
@@ -4703,20 +5426,23 @@
               <a:buChar char=""/>
             </a:pPr>
             <a:r>
-              <a:rPr b="0" lang="en-US" sz="2000" spc="-1" strike="noStrike">
+              <a:rPr lang="en-US" sz="2000" b="0" strike="noStrike" spc="-1" dirty="0">
                 <a:solidFill>
                   <a:srgbClr val="404040"/>
                 </a:solidFill>
                 <a:latin typeface="Calibri"/>
               </a:rPr>
-              <a:t>Requirement 1 – State each requirement and how you will measure the outcome</a:t>
+              <a:t>Requirement 1 </a:t>
             </a:r>
-            <a:endParaRPr b="0" lang="en-US" sz="2000" spc="-1" strike="noStrike">
-              <a:solidFill>
-                <a:srgbClr val="404040"/>
-              </a:solidFill>
-              <a:latin typeface="Calibri"/>
-            </a:endParaRPr>
+            <a:r>
+              <a:rPr lang="en-US" sz="2000" b="0" strike="noStrike" spc="-1" dirty="0" smtClean="0">
+                <a:solidFill>
+                  <a:srgbClr val="404040"/>
+                </a:solidFill>
+                <a:latin typeface="Calibri"/>
+              </a:rPr>
+              <a:t>–Input voice and output the same voice.</a:t>
+            </a:r>
           </a:p>
           <a:p>
             <a:pPr marL="284040" indent="-283680">
@@ -4737,15 +5463,15 @@
               <a:buChar char=""/>
             </a:pPr>
             <a:r>
-              <a:rPr b="0" lang="en-US" sz="2000" spc="-1" strike="noStrike">
+              <a:rPr lang="en-US" sz="2000" b="0" strike="noStrike" spc="-1" dirty="0" smtClean="0">
                 <a:solidFill>
                   <a:srgbClr val="404040"/>
                 </a:solidFill>
                 <a:latin typeface="Calibri"/>
               </a:rPr>
-              <a:t>Requirement 2</a:t>
+              <a:t>Requirement 2-Wavefourm modulations manipulate input voice.</a:t>
             </a:r>
-            <a:endParaRPr b="0" lang="en-US" sz="2000" spc="-1" strike="noStrike">
+            <a:endParaRPr lang="en-US" sz="2000" b="0" strike="noStrike" spc="-1" dirty="0">
               <a:solidFill>
                 <a:srgbClr val="404040"/>
               </a:solidFill>
@@ -4771,15 +5497,24 @@
               <a:buChar char=""/>
             </a:pPr>
             <a:r>
-              <a:rPr b="0" lang="en-US" sz="2000" spc="-1" strike="noStrike">
+              <a:rPr lang="en-US" sz="2000" b="0" strike="noStrike" spc="-1" dirty="0">
                 <a:solidFill>
                   <a:srgbClr val="404040"/>
                 </a:solidFill>
                 <a:latin typeface="Calibri"/>
               </a:rPr>
-              <a:t>Requirement 3</a:t>
+              <a:t>Requirement </a:t>
             </a:r>
-            <a:endParaRPr b="0" lang="en-US" sz="2000" spc="-1" strike="noStrike">
+            <a:r>
+              <a:rPr lang="en-US" sz="2000" b="0" strike="noStrike" spc="-1" dirty="0" smtClean="0">
+                <a:solidFill>
+                  <a:srgbClr val="404040"/>
+                </a:solidFill>
+                <a:latin typeface="Calibri"/>
+              </a:rPr>
+              <a:t>3-Incorporate a number pad to control waveform modulation.</a:t>
+            </a:r>
+            <a:endParaRPr lang="en-US" sz="2000" b="0" strike="noStrike" spc="-1" dirty="0">
               <a:solidFill>
                 <a:srgbClr val="404040"/>
               </a:solidFill>
@@ -4805,15 +5540,33 @@
               <a:buChar char=""/>
             </a:pPr>
             <a:r>
-              <a:rPr b="0" lang="en-US" sz="2000" spc="-1" strike="noStrike">
+              <a:rPr lang="en-US" sz="2000" b="0" strike="noStrike" spc="-1">
                 <a:solidFill>
                   <a:srgbClr val="404040"/>
                 </a:solidFill>
                 <a:latin typeface="Calibri"/>
               </a:rPr>
-              <a:t>Requirement 4</a:t>
+              <a:t>Requirement </a:t>
             </a:r>
-            <a:endParaRPr b="0" lang="en-US" sz="2000" spc="-1" strike="noStrike">
+            <a:r>
+              <a:rPr lang="en-US" sz="2000" b="0" strike="noStrike" spc="-1" smtClean="0">
+                <a:solidFill>
+                  <a:srgbClr val="404040"/>
+                </a:solidFill>
+                <a:latin typeface="Calibri"/>
+              </a:rPr>
+              <a:t>4-Output </a:t>
+            </a:r>
+            <a:r>
+              <a:rPr lang="en-US" sz="2000" b="0" strike="noStrike" spc="-1" dirty="0" smtClean="0">
+                <a:solidFill>
+                  <a:srgbClr val="404040"/>
+                </a:solidFill>
+                <a:latin typeface="Calibri"/>
+              </a:rPr>
+              <a:t>on a screen the control waveform.</a:t>
+            </a:r>
+            <a:endParaRPr lang="en-US" sz="2000" b="0" strike="noStrike" spc="-1" dirty="0">
               <a:solidFill>
                 <a:srgbClr val="404040"/>
               </a:solidFill>
@@ -4839,29 +5592,14 @@
               <a:buChar char=""/>
             </a:pPr>
             <a:r>
-              <a:rPr b="0" lang="en-US" sz="2000" spc="-1" strike="noStrike">
+              <a:rPr lang="en-US" sz="2000" b="0" strike="noStrike" spc="-1" dirty="0">
                 <a:solidFill>
                   <a:srgbClr val="404040"/>
                 </a:solidFill>
                 <a:latin typeface="Calibri"/>
               </a:rPr>
-              <a:t>…</a:t>
+              <a:t>…..</a:t>
             </a:r>
-            <a:r>
-              <a:rPr b="0" lang="en-US" sz="2000" spc="-1" strike="noStrike">
-                <a:solidFill>
-                  <a:srgbClr val="404040"/>
-                </a:solidFill>
-                <a:latin typeface="Calibri"/>
-              </a:rPr>
-              <a:t>..</a:t>
-            </a:r>
-            <a:endParaRPr b="0" lang="en-US" sz="2000" spc="-1" strike="noStrike">
-              <a:solidFill>
-                <a:srgbClr val="404040"/>
-              </a:solidFill>
-              <a:latin typeface="Calibri"/>
-            </a:endParaRPr>
           </a:p>
           <a:p>
             <a:pPr>
@@ -4875,7 +5613,7 @@
                 <a:spcPts val="201"/>
               </a:spcAft>
             </a:pPr>
-            <a:endParaRPr b="0" lang="en-US" sz="2000" spc="-1" strike="noStrike">
+            <a:endParaRPr lang="en-US" sz="2000" b="0" strike="noStrike" spc="-1" dirty="0">
               <a:solidFill>
                 <a:srgbClr val="404040"/>
               </a:solidFill>
@@ -4894,7 +5632,7 @@
                 <a:spcPts val="201"/>
               </a:spcAft>
             </a:pPr>
-            <a:endParaRPr b="0" lang="en-US" sz="2000" spc="-1" strike="noStrike">
+            <a:endParaRPr lang="en-US" sz="2000" b="0" strike="noStrike" spc="-1" dirty="0">
               <a:solidFill>
                 <a:srgbClr val="404040"/>
               </a:solidFill>
@@ -4913,7 +5651,7 @@
                 <a:spcPts val="201"/>
               </a:spcAft>
             </a:pPr>
-            <a:endParaRPr b="0" lang="en-US" sz="2000" spc="-1" strike="noStrike">
+            <a:endParaRPr lang="en-US" sz="2000" b="0" strike="noStrike" spc="-1" dirty="0">
               <a:solidFill>
                 <a:srgbClr val="404040"/>
               </a:solidFill>
@@ -4932,7 +5670,7 @@
                 <a:spcPts val="201"/>
               </a:spcAft>
             </a:pPr>
-            <a:endParaRPr b="0" lang="en-US" sz="2000" spc="-1" strike="noStrike">
+            <a:endParaRPr lang="en-US" sz="2000" b="0" strike="noStrike" spc="-1" dirty="0">
               <a:solidFill>
                 <a:srgbClr val="404040"/>
               </a:solidFill>
@@ -4951,7 +5689,7 @@
                 <a:spcPts val="201"/>
               </a:spcAft>
             </a:pPr>
-            <a:endParaRPr b="0" lang="en-US" sz="2000" spc="-1" strike="noStrike">
+            <a:endParaRPr lang="en-US" sz="2000" b="0" strike="noStrike" spc="-1" dirty="0">
               <a:solidFill>
                 <a:srgbClr val="404040"/>
               </a:solidFill>
@@ -4981,6 +5719,7 @@
         </p:spPr>
         <p:txBody>
           <a:bodyPr/>
+          <a:lstStyle/>
           <a:p>
             <a:pPr>
               <a:lnSpc>
@@ -4988,7 +5727,7 @@
               </a:lnSpc>
             </a:pPr>
             <a:r>
-              <a:rPr b="0" lang="en-US" sz="4000" spc="-49" strike="noStrike">
+              <a:rPr lang="en-US" sz="4000" b="0" strike="noStrike" spc="-49">
                 <a:solidFill>
                   <a:srgbClr val="404040"/>
                 </a:solidFill>
@@ -4996,7 +5735,7 @@
               </a:rPr>
               <a:t>Requirements</a:t>
             </a:r>
-            <a:endParaRPr b="0" lang="en-US" sz="4000" spc="-1" strike="noStrike">
+            <a:endParaRPr lang="en-US" sz="4000" b="0" strike="noStrike" spc="-1">
               <a:solidFill>
                 <a:srgbClr val="000000"/>
               </a:solidFill>
@@ -5007,22 +5746,25 @@
       </p:sp>
     </p:spTree>
   </p:cSld>
+  <p:clrMapOvr>
+    <a:masterClrMapping/>
+  </p:clrMapOvr>
   <p:timing>
     <p:tnLst>
       <p:par>
-        <p:cTn id="9" dur="indefinite" restart="never" nodeType="tmRoot">
+        <p:cTn id="1" dur="indefinite" restart="never" nodeType="tmRoot">
           <p:childTnLst>
             <p:seq>
-              <p:cTn id="10" dur="indefinite" nodeType="mainSeq"/>
+              <p:cTn id="2" dur="indefinite" nodeType="mainSeq"/>
               <p:prevCondLst>
-                <p:cond delay="0" evt="onPrev">
+                <p:cond evt="onPrev" delay="0">
                   <p:tgtEl>
                     <p:sldTgt/>
                   </p:tgtEl>
                 </p:cond>
               </p:prevCondLst>
               <p:nextCondLst>
-                <p:cond delay="0" evt="onNext">
+                <p:cond evt="onNext" delay="0">
                   <p:tgtEl>
                     <p:sldTgt/>
                   </p:tgtEl>
@@ -5038,7 +5780,7 @@
 </file>
 
 <file path=ppt/slides/slide6.xml><?xml version="1.0" encoding="utf-8"?>
-<p:sld xmlns:a="http://schemas.openxmlformats.org/drawingml/2006/main" xmlns:p="http://schemas.openxmlformats.org/presentationml/2006/main" xmlns:r="http://schemas.openxmlformats.org/officeDocument/2006/relationships" xmlns:p14="http://schemas.microsoft.com/office/powerpoint/2010/main" xmlns:p15="http://schemas.microsoft.com/office/powerpoint/2012/main" xmlns:mc="http://schemas.openxmlformats.org/markup-compatibility/2006">
+<p:sld xmlns:a="http://schemas.openxmlformats.org/drawingml/2006/main" xmlns:r="http://schemas.openxmlformats.org/officeDocument/2006/relationships" xmlns:p="http://schemas.openxmlformats.org/presentationml/2006/main">
   <p:cSld>
     <p:spTree>
       <p:nvGrpSpPr>
@@ -5075,6 +5817,7 @@
         </p:spPr>
         <p:txBody>
           <a:bodyPr lIns="0" rIns="0"/>
+          <a:lstStyle/>
           <a:p>
             <a:pPr marL="284040" indent="-283680">
               <a:lnSpc>
@@ -5094,7 +5837,7 @@
               <a:buChar char=""/>
             </a:pPr>
             <a:r>
-              <a:rPr b="0" lang="en-US" sz="2000" spc="-1" strike="noStrike">
+              <a:rPr lang="en-US" sz="2000" b="0" strike="noStrike" spc="-1">
                 <a:solidFill>
                   <a:srgbClr val="404040"/>
                 </a:solidFill>
@@ -5102,12 +5845,6 @@
               </a:rPr>
               <a:t>One slide for each sensor with relevant performance specifications (spec sheet data such as resolution, range, data rate, etc…).</a:t>
             </a:r>
-            <a:endParaRPr b="0" lang="en-US" sz="2000" spc="-1" strike="noStrike">
-              <a:solidFill>
-                <a:srgbClr val="404040"/>
-              </a:solidFill>
-              <a:latin typeface="Calibri"/>
-            </a:endParaRPr>
           </a:p>
           <a:p>
             <a:pPr>
@@ -5121,7 +5858,7 @@
                 <a:spcPts val="201"/>
               </a:spcAft>
             </a:pPr>
-            <a:endParaRPr b="0" lang="en-US" sz="2000" spc="-1" strike="noStrike">
+            <a:endParaRPr lang="en-US" sz="2000" b="0" strike="noStrike" spc="-1">
               <a:solidFill>
                 <a:srgbClr val="404040"/>
               </a:solidFill>
@@ -5153,6 +5890,7 @@
           <a:bodyPr>
             <a:normAutofit/>
           </a:bodyPr>
+          <a:lstStyle/>
           <a:p>
             <a:pPr>
               <a:lnSpc>
@@ -5160,7 +5898,7 @@
               </a:lnSpc>
             </a:pPr>
             <a:r>
-              <a:rPr b="0" lang="en-US" sz="4000" spc="-49" strike="noStrike">
+              <a:rPr lang="en-US" sz="4000" b="0" strike="noStrike" spc="-49">
                 <a:solidFill>
                   <a:srgbClr val="404040"/>
                 </a:solidFill>
@@ -5168,7 +5906,7 @@
               </a:rPr>
               <a:t>Sensor type(s)</a:t>
             </a:r>
-            <a:endParaRPr b="0" lang="en-US" sz="4000" spc="-1" strike="noStrike">
+            <a:endParaRPr lang="en-US" sz="4000" b="0" strike="noStrike" spc="-1">
               <a:solidFill>
                 <a:srgbClr val="000000"/>
               </a:solidFill>
@@ -5179,30 +5917,7 @@
       </p:sp>
       <p:pic>
         <p:nvPicPr>
-          <p:cNvPr id="99" name="Picture 4" descr=""/>
-          <p:cNvPicPr/>
-          <p:nvPr/>
-        </p:nvPicPr>
-        <p:blipFill>
-          <a:blip r:embed="rId1"/>
-          <a:stretch/>
-        </p:blipFill>
-        <p:spPr>
-          <a:xfrm>
-            <a:off x="216720" y="4533840"/>
-            <a:ext cx="3306240" cy="1831320"/>
-          </a:xfrm>
-          <a:prstGeom prst="rect">
-            <a:avLst/>
-          </a:prstGeom>
-          <a:ln>
-            <a:noFill/>
-          </a:ln>
-        </p:spPr>
-      </p:pic>
-      <p:pic>
-        <p:nvPicPr>
-          <p:cNvPr id="100" name="Picture 9" descr=""/>
+          <p:cNvPr id="99" name="Picture 4"/>
           <p:cNvPicPr/>
           <p:nvPr/>
         </p:nvPicPr>
@@ -5212,8 +5927,8 @@
         </p:blipFill>
         <p:spPr>
           <a:xfrm>
-            <a:off x="4098960" y="2589480"/>
-            <a:ext cx="4828680" cy="3447720"/>
+            <a:off x="216720" y="4533840"/>
+            <a:ext cx="3306240" cy="1831320"/>
           </a:xfrm>
           <a:prstGeom prst="rect">
             <a:avLst/>
@@ -5225,7 +5940,7 @@
       </p:pic>
       <p:pic>
         <p:nvPicPr>
-          <p:cNvPr id="101" name="Picture 11" descr=""/>
+          <p:cNvPr id="100" name="Picture 9"/>
           <p:cNvPicPr/>
           <p:nvPr/>
         </p:nvPicPr>
@@ -5235,6 +5950,29 @@
         </p:blipFill>
         <p:spPr>
           <a:xfrm>
+            <a:off x="4098960" y="2589480"/>
+            <a:ext cx="4828680" cy="3447720"/>
+          </a:xfrm>
+          <a:prstGeom prst="rect">
+            <a:avLst/>
+          </a:prstGeom>
+          <a:ln>
+            <a:noFill/>
+          </a:ln>
+        </p:spPr>
+      </p:pic>
+      <p:pic>
+        <p:nvPicPr>
+          <p:cNvPr id="101" name="Picture 11"/>
+          <p:cNvPicPr/>
+          <p:nvPr/>
+        </p:nvPicPr>
+        <p:blipFill>
+          <a:blip r:embed="rId4"/>
+          <a:stretch/>
+        </p:blipFill>
+        <p:spPr>
+          <a:xfrm>
             <a:off x="216720" y="2342520"/>
             <a:ext cx="3858120" cy="2306520"/>
           </a:xfrm>
@@ -5266,13 +6004,20 @@
           </a:ln>
         </p:spPr>
         <p:style>
-          <a:lnRef idx="0"/>
-          <a:fillRef idx="0"/>
-          <a:effectRef idx="0"/>
+          <a:lnRef idx="0">
+            <a:scrgbClr r="0" g="0" b="0"/>
+          </a:lnRef>
+          <a:fillRef idx="0">
+            <a:scrgbClr r="0" g="0" b="0"/>
+          </a:fillRef>
+          <a:effectRef idx="0">
+            <a:scrgbClr r="0" g="0" b="0"/>
+          </a:effectRef>
           <a:fontRef idx="minor"/>
         </p:style>
         <p:txBody>
-          <a:bodyPr lIns="90000" rIns="90000" tIns="45000" bIns="45000"/>
+          <a:bodyPr lIns="90000" tIns="45000" rIns="90000" bIns="45000"/>
+          <a:lstStyle/>
           <a:p>
             <a:pPr>
               <a:lnSpc>
@@ -5280,7 +6025,7 @@
               </a:lnSpc>
             </a:pPr>
             <a:r>
-              <a:rPr b="0" lang="en-US" sz="2000" spc="-1" strike="noStrike">
+              <a:rPr lang="en-US" sz="2000" b="0" strike="noStrike" spc="-1">
                 <a:solidFill>
                   <a:srgbClr val="000000"/>
                 </a:solidFill>
@@ -5288,7 +6033,7 @@
               </a:rPr>
               <a:t>Example -  </a:t>
             </a:r>
-            <a:endParaRPr b="0" lang="en-US" sz="2000" spc="-1" strike="noStrike">
+            <a:endParaRPr lang="en-US" sz="2000" b="0" strike="noStrike" spc="-1">
               <a:latin typeface="Arial"/>
             </a:endParaRPr>
           </a:p>
@@ -5299,7 +6044,7 @@
               </a:lnSpc>
             </a:pPr>
             <a:r>
-              <a:rPr b="0" lang="en-US" sz="2000" spc="-1" strike="noStrike">
+              <a:rPr lang="en-US" sz="2000" b="0" strike="noStrike" spc="-1">
                 <a:solidFill>
                   <a:srgbClr val="000000"/>
                 </a:solidFill>
@@ -5307,7 +6052,7 @@
               </a:rPr>
               <a:t>Avago ADJD-S371-QR999</a:t>
             </a:r>
-            <a:endParaRPr b="0" lang="en-US" sz="2000" spc="-1" strike="noStrike">
+            <a:endParaRPr lang="en-US" sz="2000" b="0" strike="noStrike" spc="-1">
               <a:latin typeface="Arial"/>
             </a:endParaRPr>
           </a:p>
@@ -5318,7 +6063,7 @@
               </a:lnSpc>
             </a:pPr>
             <a:r>
-              <a:rPr b="0" lang="en-US" sz="2000" spc="-1" strike="noStrike">
+              <a:rPr lang="en-US" sz="2000" b="0" strike="noStrike" spc="-1">
                 <a:solidFill>
                   <a:srgbClr val="000000"/>
                 </a:solidFill>
@@ -5326,7 +6071,7 @@
               </a:rPr>
               <a:t>RGB Digital Color Sensor Module</a:t>
             </a:r>
-            <a:endParaRPr b="0" lang="en-US" sz="2000" spc="-1" strike="noStrike">
+            <a:endParaRPr lang="en-US" sz="2000" b="0" strike="noStrike" spc="-1">
               <a:latin typeface="Arial"/>
             </a:endParaRPr>
           </a:p>
@@ -5337,7 +6082,7 @@
               </a:lnSpc>
             </a:pPr>
             <a:r>
-              <a:rPr b="0" lang="en-US" sz="2000" spc="-1" strike="noStrike">
+              <a:rPr lang="en-US" sz="2000" b="0" strike="noStrike" spc="-1">
                 <a:solidFill>
                   <a:srgbClr val="000000"/>
                 </a:solidFill>
@@ -5345,7 +6090,7 @@
               </a:rPr>
               <a:t> </a:t>
             </a:r>
-            <a:endParaRPr b="0" lang="en-US" sz="2000" spc="-1" strike="noStrike">
+            <a:endParaRPr lang="en-US" sz="2000" b="0" strike="noStrike" spc="-1">
               <a:latin typeface="Arial"/>
             </a:endParaRPr>
           </a:p>
@@ -5353,22 +6098,25 @@
       </p:sp>
     </p:spTree>
   </p:cSld>
+  <p:clrMapOvr>
+    <a:masterClrMapping/>
+  </p:clrMapOvr>
   <p:timing>
     <p:tnLst>
       <p:par>
-        <p:cTn id="11" dur="indefinite" restart="never" nodeType="tmRoot">
+        <p:cTn id="1" dur="indefinite" restart="never" nodeType="tmRoot">
           <p:childTnLst>
             <p:seq>
-              <p:cTn id="12" dur="indefinite" nodeType="mainSeq"/>
+              <p:cTn id="2" dur="indefinite" nodeType="mainSeq"/>
               <p:prevCondLst>
-                <p:cond delay="0" evt="onPrev">
+                <p:cond evt="onPrev" delay="0">
                   <p:tgtEl>
                     <p:sldTgt/>
                   </p:tgtEl>
                 </p:cond>
               </p:prevCondLst>
               <p:nextCondLst>
-                <p:cond delay="0" evt="onNext">
+                <p:cond evt="onNext" delay="0">
                   <p:tgtEl>
                     <p:sldTgt/>
                   </p:tgtEl>
@@ -5384,7 +6132,7 @@
 </file>
 
 <file path=ppt/slides/slide7.xml><?xml version="1.0" encoding="utf-8"?>
-<p:sld xmlns:a="http://schemas.openxmlformats.org/drawingml/2006/main" xmlns:p="http://schemas.openxmlformats.org/presentationml/2006/main" xmlns:r="http://schemas.openxmlformats.org/officeDocument/2006/relationships" xmlns:p14="http://schemas.microsoft.com/office/powerpoint/2010/main" xmlns:p15="http://schemas.microsoft.com/office/powerpoint/2012/main" xmlns:mc="http://schemas.openxmlformats.org/markup-compatibility/2006">
+<p:sld xmlns:a="http://schemas.openxmlformats.org/drawingml/2006/main" xmlns:r="http://schemas.openxmlformats.org/officeDocument/2006/relationships" xmlns:p="http://schemas.openxmlformats.org/presentationml/2006/main">
   <p:cSld>
     <p:spTree>
       <p:nvGrpSpPr>
@@ -5421,6 +6169,7 @@
         </p:spPr>
         <p:txBody>
           <a:bodyPr lIns="0" rIns="0"/>
+          <a:lstStyle/>
           <a:p>
             <a:pPr marL="284040" indent="-283680">
               <a:lnSpc>
@@ -5440,7 +6189,7 @@
               <a:buChar char=""/>
             </a:pPr>
             <a:r>
-              <a:rPr b="0" lang="en-US" sz="2000" spc="-1" strike="noStrike">
+              <a:rPr lang="en-US" sz="2000" b="0" strike="noStrike" spc="-1">
                 <a:solidFill>
                   <a:srgbClr val="404040"/>
                 </a:solidFill>
@@ -5448,12 +6197,6 @@
               </a:rPr>
               <a:t>Description of Protocol Used (I2C, SPI or RS232).   A timing diagram would be useful to include. </a:t>
             </a:r>
-            <a:endParaRPr b="0" lang="en-US" sz="2000" spc="-1" strike="noStrike">
-              <a:solidFill>
-                <a:srgbClr val="404040"/>
-              </a:solidFill>
-              <a:latin typeface="Calibri"/>
-            </a:endParaRPr>
           </a:p>
         </p:txBody>
       </p:sp>
@@ -5478,6 +6221,7 @@
         </p:spPr>
         <p:txBody>
           <a:bodyPr/>
+          <a:lstStyle/>
           <a:p>
             <a:pPr>
               <a:lnSpc>
@@ -5485,7 +6229,7 @@
               </a:lnSpc>
             </a:pPr>
             <a:r>
-              <a:rPr b="0" lang="en-US" sz="4000" spc="-49" strike="noStrike">
+              <a:rPr lang="en-US" sz="4000" b="0" strike="noStrike" spc="-49">
                 <a:solidFill>
                   <a:srgbClr val="404040"/>
                 </a:solidFill>
@@ -5493,7 +6237,7 @@
               </a:rPr>
               <a:t>Communication Protocol</a:t>
             </a:r>
-            <a:endParaRPr b="0" lang="en-US" sz="4000" spc="-1" strike="noStrike">
+            <a:endParaRPr lang="en-US" sz="4000" b="0" strike="noStrike" spc="-1">
               <a:solidFill>
                 <a:srgbClr val="000000"/>
               </a:solidFill>
@@ -5504,22 +6248,25 @@
       </p:sp>
     </p:spTree>
   </p:cSld>
+  <p:clrMapOvr>
+    <a:masterClrMapping/>
+  </p:clrMapOvr>
   <p:timing>
     <p:tnLst>
       <p:par>
-        <p:cTn id="13" dur="indefinite" restart="never" nodeType="tmRoot">
+        <p:cTn id="1" dur="indefinite" restart="never" nodeType="tmRoot">
           <p:childTnLst>
             <p:seq>
-              <p:cTn id="14" dur="indefinite" nodeType="mainSeq"/>
+              <p:cTn id="2" dur="indefinite" nodeType="mainSeq"/>
               <p:prevCondLst>
-                <p:cond delay="0" evt="onPrev">
+                <p:cond evt="onPrev" delay="0">
                   <p:tgtEl>
                     <p:sldTgt/>
                   </p:tgtEl>
                 </p:cond>
               </p:prevCondLst>
               <p:nextCondLst>
-                <p:cond delay="0" evt="onNext">
+                <p:cond evt="onNext" delay="0">
                   <p:tgtEl>
                     <p:sldTgt/>
                   </p:tgtEl>
@@ -5548,31 +6295,31 @@
         <a:srgbClr val="637052"/>
       </a:dk2>
       <a:lt2>
-        <a:srgbClr val="ccddea"/>
+        <a:srgbClr val="CCDDEA"/>
       </a:lt2>
       <a:accent1>
-        <a:srgbClr val="e48312"/>
+        <a:srgbClr val="E48312"/>
       </a:accent1>
       <a:accent2>
-        <a:srgbClr val="bd582c"/>
+        <a:srgbClr val="BD582C"/>
       </a:accent2>
       <a:accent3>
         <a:srgbClr val="865640"/>
       </a:accent3>
       <a:accent4>
-        <a:srgbClr val="9b8357"/>
+        <a:srgbClr val="9B8357"/>
       </a:accent4>
       <a:accent5>
-        <a:srgbClr val="c2bc80"/>
+        <a:srgbClr val="C2BC80"/>
       </a:accent5>
       <a:accent6>
-        <a:srgbClr val="94a088"/>
+        <a:srgbClr val="94A088"/>
       </a:accent6>
       <a:hlink>
-        <a:srgbClr val="2998e3"/>
+        <a:srgbClr val="2998E3"/>
       </a:hlink>
       <a:folHlink>
-        <a:srgbClr val="8c8c8c"/>
+        <a:srgbClr val="8C8C8C"/>
       </a:folHlink>
     </a:clrScheme>
     <a:fontScheme name="Office">
@@ -5754,6 +6501,8 @@
       </a:bgFillStyleLst>
     </a:fmtScheme>
   </a:themeElements>
+  <a:objectDefaults/>
+  <a:extraClrSchemeLst/>
 </a:theme>
 </file>
 
@@ -5771,31 +6520,31 @@
         <a:srgbClr val="637052"/>
       </a:dk2>
       <a:lt2>
-        <a:srgbClr val="ccddea"/>
+        <a:srgbClr val="CCDDEA"/>
       </a:lt2>
       <a:accent1>
-        <a:srgbClr val="e48312"/>
+        <a:srgbClr val="E48312"/>
       </a:accent1>
       <a:accent2>
-        <a:srgbClr val="bd582c"/>
+        <a:srgbClr val="BD582C"/>
       </a:accent2>
       <a:accent3>
         <a:srgbClr val="865640"/>
       </a:accent3>
       <a:accent4>
-        <a:srgbClr val="9b8357"/>
+        <a:srgbClr val="9B8357"/>
       </a:accent4>
       <a:accent5>
-        <a:srgbClr val="c2bc80"/>
+        <a:srgbClr val="C2BC80"/>
       </a:accent5>
       <a:accent6>
-        <a:srgbClr val="94a088"/>
+        <a:srgbClr val="94A088"/>
       </a:accent6>
       <a:hlink>
-        <a:srgbClr val="2998e3"/>
+        <a:srgbClr val="2998E3"/>
       </a:hlink>
       <a:folHlink>
-        <a:srgbClr val="8c8c8c"/>
+        <a:srgbClr val="8C8C8C"/>
       </a:folHlink>
     </a:clrScheme>
     <a:fontScheme name="Office">
@@ -5977,5 +6726,7 @@
       </a:bgFillStyleLst>
     </a:fmtScheme>
   </a:themeElements>
+  <a:objectDefaults/>
+  <a:extraClrSchemeLst/>
 </a:theme>
 </file>